--- a/docs/mainboard_pics.pptx
+++ b/docs/mainboard_pics.pptx
@@ -2993,8 +2993,8 @@
         </p:blipFill>
         <p:spPr>
           <a:xfrm>
-            <a:off x="3256566" y="1998074"/>
-            <a:ext cx="15086518" cy="10555684"/>
+            <a:off x="4255187" y="2692746"/>
+            <a:ext cx="13133631" cy="9189296"/>
           </a:xfrm>
           <a:prstGeom prst="rect">
             <a:avLst/>
@@ -3009,7 +3009,7 @@
         </p:nvSpPr>
         <p:spPr>
           <a:xfrm>
-            <a:off x="407601" y="2495777"/>
+            <a:off x="1622788" y="2693161"/>
             <a:ext cx="2342570" cy="369332"/>
           </a:xfrm>
           <a:prstGeom prst="rect">
@@ -3047,7 +3047,7 @@
         </p:nvSpPr>
         <p:spPr>
           <a:xfrm>
-            <a:off x="407212" y="4193334"/>
+            <a:off x="1622400" y="4341723"/>
             <a:ext cx="1908505" cy="369332"/>
           </a:xfrm>
           <a:prstGeom prst="rect">
@@ -3085,7 +3085,7 @@
         </p:nvSpPr>
         <p:spPr>
           <a:xfrm>
-            <a:off x="407215" y="7743346"/>
+            <a:off x="1622403" y="7891735"/>
             <a:ext cx="2453650" cy="369332"/>
           </a:xfrm>
           <a:prstGeom prst="rect">
@@ -3123,7 +3123,7 @@
         </p:nvSpPr>
         <p:spPr>
           <a:xfrm>
-            <a:off x="407215" y="10346973"/>
+            <a:off x="1622403" y="10322910"/>
             <a:ext cx="2137418" cy="378658"/>
           </a:xfrm>
           <a:prstGeom prst="rect">
@@ -3161,7 +3161,7 @@
         </p:nvSpPr>
         <p:spPr>
           <a:xfrm>
-            <a:off x="18645803" y="5440418"/>
+            <a:off x="17567974" y="5757248"/>
             <a:ext cx="2453650" cy="369332"/>
           </a:xfrm>
           <a:prstGeom prst="rect">
@@ -3207,7 +3207,7 @@
         </p:nvSpPr>
         <p:spPr>
           <a:xfrm>
-            <a:off x="18645804" y="5807394"/>
+            <a:off x="17567975" y="6124224"/>
             <a:ext cx="2137418" cy="369332"/>
           </a:xfrm>
           <a:prstGeom prst="rect">
@@ -3247,7 +3247,7 @@
         </p:nvSpPr>
         <p:spPr>
           <a:xfrm>
-            <a:off x="18645805" y="6180720"/>
+            <a:off x="17567976" y="6497550"/>
             <a:ext cx="2137417" cy="369332"/>
           </a:xfrm>
           <a:prstGeom prst="rect">
@@ -3303,7 +3303,7 @@
         </p:nvSpPr>
         <p:spPr>
           <a:xfrm>
-            <a:off x="18645804" y="6548413"/>
+            <a:off x="17567975" y="6865243"/>
             <a:ext cx="1410190" cy="369332"/>
           </a:xfrm>
           <a:prstGeom prst="rect">
@@ -3346,7 +3346,7 @@
         </p:nvSpPr>
         <p:spPr>
           <a:xfrm>
-            <a:off x="18645803" y="6917745"/>
+            <a:off x="17567974" y="7234575"/>
             <a:ext cx="2137419" cy="369332"/>
           </a:xfrm>
           <a:prstGeom prst="rect">
@@ -3389,7 +3389,7 @@
         </p:nvSpPr>
         <p:spPr>
           <a:xfrm>
-            <a:off x="407216" y="11454804"/>
+            <a:off x="1622404" y="11430741"/>
             <a:ext cx="2899844" cy="369332"/>
           </a:xfrm>
           <a:prstGeom prst="rect">
@@ -3445,8 +3445,8 @@
         </p:nvSpPr>
         <p:spPr>
           <a:xfrm>
-            <a:off x="407215" y="11091874"/>
-            <a:ext cx="2899845" cy="369332"/>
+            <a:off x="1622404" y="11067811"/>
+            <a:ext cx="2137418" cy="369332"/>
           </a:xfrm>
           <a:prstGeom prst="rect">
             <a:avLst/>
@@ -3501,7 +3501,7 @@
         </p:nvSpPr>
         <p:spPr>
           <a:xfrm>
-            <a:off x="407215" y="9577461"/>
+            <a:off x="1622403" y="9725850"/>
             <a:ext cx="2137418" cy="369332"/>
           </a:xfrm>
           <a:prstGeom prst="rect">
@@ -3541,7 +3541,7 @@
         </p:nvSpPr>
         <p:spPr>
           <a:xfrm>
-            <a:off x="407217" y="8860154"/>
+            <a:off x="1622405" y="9008543"/>
             <a:ext cx="1410189" cy="369332"/>
           </a:xfrm>
           <a:prstGeom prst="rect">
@@ -3581,7 +3581,7 @@
         </p:nvSpPr>
         <p:spPr>
           <a:xfrm>
-            <a:off x="407215" y="8126007"/>
+            <a:off x="1622403" y="8274396"/>
             <a:ext cx="1410190" cy="369332"/>
           </a:xfrm>
           <a:prstGeom prst="rect">
@@ -3624,7 +3624,7 @@
         </p:nvSpPr>
         <p:spPr>
           <a:xfrm>
-            <a:off x="407216" y="8494094"/>
+            <a:off x="1622404" y="8642483"/>
             <a:ext cx="1410190" cy="369332"/>
           </a:xfrm>
           <a:prstGeom prst="rect">
@@ -3664,7 +3664,7 @@
         </p:nvSpPr>
         <p:spPr>
           <a:xfrm>
-            <a:off x="407216" y="9211218"/>
+            <a:off x="1622404" y="9359607"/>
             <a:ext cx="1410190" cy="369332"/>
           </a:xfrm>
           <a:prstGeom prst="rect">
@@ -3704,7 +3704,7 @@
         </p:nvSpPr>
         <p:spPr>
           <a:xfrm>
-            <a:off x="407215" y="10729634"/>
+            <a:off x="1622403" y="10705571"/>
             <a:ext cx="2137418" cy="369332"/>
           </a:xfrm>
           <a:prstGeom prst="rect">
@@ -3744,7 +3744,7 @@
         </p:nvSpPr>
         <p:spPr>
           <a:xfrm>
-            <a:off x="407215" y="11814546"/>
+            <a:off x="1622403" y="11790483"/>
             <a:ext cx="1410190" cy="369332"/>
           </a:xfrm>
           <a:prstGeom prst="rect">
@@ -3787,7 +3787,7 @@
         </p:nvSpPr>
         <p:spPr>
           <a:xfrm>
-            <a:off x="18645803" y="7691249"/>
+            <a:off x="17567974" y="7873727"/>
             <a:ext cx="2453650" cy="369332"/>
           </a:xfrm>
           <a:prstGeom prst="rect">
@@ -3825,7 +3825,7 @@
         </p:nvSpPr>
         <p:spPr>
           <a:xfrm>
-            <a:off x="18645803" y="8082100"/>
+            <a:off x="17567974" y="8264578"/>
             <a:ext cx="2137418" cy="369332"/>
           </a:xfrm>
           <a:prstGeom prst="rect">
@@ -3865,7 +3865,7 @@
         </p:nvSpPr>
         <p:spPr>
           <a:xfrm>
-            <a:off x="18645805" y="8808057"/>
+            <a:off x="17567976" y="8990535"/>
             <a:ext cx="1410189" cy="369332"/>
           </a:xfrm>
           <a:prstGeom prst="rect">
@@ -3905,7 +3905,7 @@
         </p:nvSpPr>
         <p:spPr>
           <a:xfrm>
-            <a:off x="18645804" y="9546495"/>
+            <a:off x="17567975" y="9728973"/>
             <a:ext cx="1410190" cy="369332"/>
           </a:xfrm>
           <a:prstGeom prst="rect">
@@ -3948,7 +3948,7 @@
         </p:nvSpPr>
         <p:spPr>
           <a:xfrm>
-            <a:off x="18645804" y="8441997"/>
+            <a:off x="17567975" y="8624475"/>
             <a:ext cx="1410190" cy="369332"/>
           </a:xfrm>
           <a:prstGeom prst="rect">
@@ -3988,7 +3988,7 @@
         </p:nvSpPr>
         <p:spPr>
           <a:xfrm>
-            <a:off x="18645804" y="9178171"/>
+            <a:off x="17567975" y="9360649"/>
             <a:ext cx="1410190" cy="369332"/>
           </a:xfrm>
           <a:prstGeom prst="rect">
@@ -4028,7 +4028,7 @@
         </p:nvSpPr>
         <p:spPr>
           <a:xfrm>
-            <a:off x="18645803" y="10345150"/>
+            <a:off x="17567974" y="10321087"/>
             <a:ext cx="2453650" cy="369332"/>
           </a:xfrm>
           <a:prstGeom prst="rect">
@@ -4066,7 +4066,7 @@
         </p:nvSpPr>
         <p:spPr>
           <a:xfrm>
-            <a:off x="18645804" y="11452981"/>
+            <a:off x="17567975" y="11428918"/>
             <a:ext cx="2137417" cy="369332"/>
           </a:xfrm>
           <a:prstGeom prst="rect">
@@ -4122,7 +4122,7 @@
         </p:nvSpPr>
         <p:spPr>
           <a:xfrm>
-            <a:off x="18645804" y="11090051"/>
+            <a:off x="17567975" y="11065988"/>
             <a:ext cx="2137418" cy="369332"/>
           </a:xfrm>
           <a:prstGeom prst="rect">
@@ -4178,7 +4178,7 @@
         </p:nvSpPr>
         <p:spPr>
           <a:xfrm>
-            <a:off x="18645803" y="10727811"/>
+            <a:off x="17567974" y="10703748"/>
             <a:ext cx="2137418" cy="369332"/>
           </a:xfrm>
           <a:prstGeom prst="rect">
@@ -4218,7 +4218,7 @@
         </p:nvSpPr>
         <p:spPr>
           <a:xfrm>
-            <a:off x="18645803" y="11812723"/>
+            <a:off x="17567974" y="11788660"/>
             <a:ext cx="1410190" cy="369332"/>
           </a:xfrm>
           <a:prstGeom prst="rect">
@@ -4261,7 +4261,7 @@
         </p:nvSpPr>
         <p:spPr>
           <a:xfrm>
-            <a:off x="18645802" y="3016712"/>
+            <a:off x="17567973" y="3285416"/>
             <a:ext cx="2646586" cy="369332"/>
           </a:xfrm>
           <a:prstGeom prst="rect">
@@ -4294,7 +4294,7 @@
         </p:nvSpPr>
         <p:spPr>
           <a:xfrm>
-            <a:off x="18645802" y="2352685"/>
+            <a:off x="17567973" y="2692746"/>
             <a:ext cx="2646586" cy="369332"/>
           </a:xfrm>
           <a:prstGeom prst="rect">
@@ -4334,8 +4334,8 @@
         </p:nvCxnSpPr>
         <p:spPr>
           <a:xfrm>
-            <a:off x="2750171" y="2680443"/>
-            <a:ext cx="5792546" cy="1717558"/>
+            <a:off x="3965358" y="2877827"/>
+            <a:ext cx="4892892" cy="1875780"/>
           </a:xfrm>
           <a:prstGeom prst="line">
             <a:avLst/>
@@ -4373,8 +4373,8 @@
         </p:nvCxnSpPr>
         <p:spPr>
           <a:xfrm>
-            <a:off x="2315717" y="4495790"/>
-            <a:ext cx="872093" cy="347119"/>
+            <a:off x="3530905" y="4644179"/>
+            <a:ext cx="655526" cy="327871"/>
           </a:xfrm>
           <a:prstGeom prst="line">
             <a:avLst/>
@@ -4412,8 +4412,8 @@
         </p:nvCxnSpPr>
         <p:spPr>
           <a:xfrm flipH="1">
-            <a:off x="11124199" y="2537351"/>
-            <a:ext cx="7315065" cy="919446"/>
+            <a:off x="11093450" y="2902106"/>
+            <a:ext cx="6364124" cy="1005236"/>
           </a:xfrm>
           <a:prstGeom prst="line">
             <a:avLst/>
@@ -4451,8 +4451,8 @@
         </p:nvCxnSpPr>
         <p:spPr>
           <a:xfrm flipH="1">
-            <a:off x="12800600" y="3232076"/>
-            <a:ext cx="5659066" cy="1285910"/>
+            <a:off x="12543352" y="3495918"/>
+            <a:ext cx="4928860" cy="1404766"/>
           </a:xfrm>
           <a:prstGeom prst="line">
             <a:avLst/>
@@ -4490,8 +4490,8 @@
         </p:nvCxnSpPr>
         <p:spPr>
           <a:xfrm flipH="1">
-            <a:off x="12110991" y="5634766"/>
-            <a:ext cx="6348675" cy="3498960"/>
+            <a:off x="11963401" y="5945722"/>
+            <a:ext cx="5494173" cy="2969678"/>
           </a:xfrm>
           <a:prstGeom prst="line">
             <a:avLst/>
@@ -4529,8 +4529,8 @@
         </p:nvCxnSpPr>
         <p:spPr>
           <a:xfrm flipH="1">
-            <a:off x="12361843" y="7928012"/>
-            <a:ext cx="6097823" cy="3348690"/>
+            <a:off x="12353926" y="8068712"/>
+            <a:ext cx="5103648" cy="2685013"/>
           </a:xfrm>
           <a:prstGeom prst="line">
             <a:avLst/>
@@ -4568,8 +4568,8 @@
         </p:nvCxnSpPr>
         <p:spPr>
           <a:xfrm flipH="1">
-            <a:off x="14095999" y="10532845"/>
-            <a:ext cx="4418707" cy="902646"/>
+            <a:off x="13692188" y="10512239"/>
+            <a:ext cx="3765386" cy="296978"/>
           </a:xfrm>
           <a:prstGeom prst="line">
             <a:avLst/>
@@ -4607,8 +4607,8 @@
         </p:nvCxnSpPr>
         <p:spPr>
           <a:xfrm>
-            <a:off x="2514824" y="7971233"/>
-            <a:ext cx="8247424" cy="3305469"/>
+            <a:off x="3527958" y="8102089"/>
+            <a:ext cx="7101942" cy="2688891"/>
           </a:xfrm>
           <a:prstGeom prst="line">
             <a:avLst/>
@@ -4648,8 +4648,8 @@
         </p:nvCxnSpPr>
         <p:spPr>
           <a:xfrm>
-            <a:off x="2544633" y="10536302"/>
-            <a:ext cx="6776165" cy="838122"/>
+            <a:off x="3759821" y="10512239"/>
+            <a:ext cx="5687703" cy="296978"/>
           </a:xfrm>
           <a:prstGeom prst="line">
             <a:avLst/>
@@ -4687,7 +4687,7 @@
         </p:nvSpPr>
         <p:spPr>
           <a:xfrm>
-            <a:off x="407214" y="5701010"/>
+            <a:off x="1622402" y="5936483"/>
             <a:ext cx="1908503" cy="369332"/>
           </a:xfrm>
           <a:prstGeom prst="rect">
@@ -4727,7 +4727,7 @@
         </p:nvSpPr>
         <p:spPr>
           <a:xfrm>
-            <a:off x="407213" y="4924906"/>
+            <a:off x="1622401" y="5160379"/>
             <a:ext cx="2453651" cy="369332"/>
           </a:xfrm>
           <a:prstGeom prst="rect">
@@ -4765,7 +4765,7 @@
         </p:nvSpPr>
         <p:spPr>
           <a:xfrm>
-            <a:off x="407212" y="5334767"/>
+            <a:off x="1622400" y="5570240"/>
             <a:ext cx="1908505" cy="369332"/>
           </a:xfrm>
           <a:prstGeom prst="rect">
@@ -4805,8 +4805,8 @@
         </p:nvCxnSpPr>
         <p:spPr>
           <a:xfrm>
-            <a:off x="3026039" y="5188625"/>
-            <a:ext cx="6012409" cy="2695826"/>
+            <a:off x="4171793" y="5341257"/>
+            <a:ext cx="5102512" cy="2529415"/>
           </a:xfrm>
           <a:prstGeom prst="line">
             <a:avLst/>
@@ -4844,7 +4844,7 @@
         </p:nvSpPr>
         <p:spPr>
           <a:xfrm>
-            <a:off x="18645803" y="4060167"/>
+            <a:off x="17567974" y="4304808"/>
             <a:ext cx="2636928" cy="369332"/>
           </a:xfrm>
           <a:prstGeom prst="rect">
@@ -4882,7 +4882,7 @@
         </p:nvSpPr>
         <p:spPr>
           <a:xfrm>
-            <a:off x="18645803" y="4851028"/>
+            <a:off x="17567974" y="5095669"/>
             <a:ext cx="1908504" cy="369332"/>
           </a:xfrm>
           <a:prstGeom prst="rect">
@@ -4922,7 +4922,7 @@
         </p:nvSpPr>
         <p:spPr>
           <a:xfrm>
-            <a:off x="18645802" y="4495790"/>
+            <a:off x="17567973" y="4740431"/>
             <a:ext cx="1908505" cy="369332"/>
           </a:xfrm>
           <a:prstGeom prst="rect">
@@ -4962,8 +4962,8 @@
         </p:nvCxnSpPr>
         <p:spPr>
           <a:xfrm flipH="1">
-            <a:off x="13105399" y="4285615"/>
-            <a:ext cx="5354267" cy="3642397"/>
+            <a:off x="12833182" y="4526389"/>
+            <a:ext cx="4639030" cy="3347338"/>
           </a:xfrm>
           <a:prstGeom prst="line">
             <a:avLst/>
@@ -5001,7 +5001,7 @@
         </p:nvSpPr>
         <p:spPr>
           <a:xfrm>
-            <a:off x="407213" y="6412140"/>
+            <a:off x="1622401" y="6560529"/>
             <a:ext cx="2301591" cy="375734"/>
           </a:xfrm>
           <a:prstGeom prst="rect">
@@ -5034,8 +5034,8 @@
         </p:nvCxnSpPr>
         <p:spPr>
           <a:xfrm>
-            <a:off x="3134852" y="7143712"/>
-            <a:ext cx="8090641" cy="1401709"/>
+            <a:off x="4133473" y="7292101"/>
+            <a:ext cx="7055227" cy="1157143"/>
           </a:xfrm>
           <a:prstGeom prst="line">
             <a:avLst/>
@@ -5073,7 +5073,7 @@
         </p:nvSpPr>
         <p:spPr>
           <a:xfrm>
-            <a:off x="407600" y="6777863"/>
+            <a:off x="1622788" y="6926252"/>
             <a:ext cx="2342570" cy="369332"/>
           </a:xfrm>
           <a:prstGeom prst="rect">
@@ -5119,7 +5119,7 @@
         </p:nvSpPr>
         <p:spPr>
           <a:xfrm>
-            <a:off x="407600" y="7143712"/>
+            <a:off x="1622788" y="7292101"/>
             <a:ext cx="2342570" cy="369332"/>
           </a:xfrm>
           <a:prstGeom prst="rect">
@@ -5165,7 +5165,7 @@
         </p:nvSpPr>
         <p:spPr>
           <a:xfrm>
-            <a:off x="407600" y="3277644"/>
+            <a:off x="1622787" y="3475028"/>
             <a:ext cx="2342570" cy="369332"/>
           </a:xfrm>
           <a:prstGeom prst="rect">
@@ -5224,7 +5224,7 @@
         </p:nvSpPr>
         <p:spPr>
           <a:xfrm>
-            <a:off x="407600" y="2909075"/>
+            <a:off x="1622787" y="3106459"/>
             <a:ext cx="2342570" cy="369332"/>
           </a:xfrm>
           <a:prstGeom prst="rect">
@@ -5283,7 +5283,7 @@
         </p:nvSpPr>
         <p:spPr>
           <a:xfrm>
-            <a:off x="18645802" y="3453972"/>
+            <a:off x="17567973" y="3722676"/>
             <a:ext cx="2342570" cy="369332"/>
           </a:xfrm>
           <a:prstGeom prst="rect">

--- a/docs/mainboard_pics.pptx
+++ b/docs/mainboard_pics.pptx
@@ -243,7 +243,7 @@
           <a:p>
             <a:fld id="{32936937-EAA9-45F5-BFDC-3AB1C666CB91}" type="datetimeFigureOut">
               <a:rPr lang="en-US" smtClean="0"/>
-              <a:t>5/26/2020</a:t>
+              <a:t>5/30/2020</a:t>
             </a:fld>
             <a:endParaRPr lang="en-US"/>
           </a:p>
@@ -413,7 +413,7 @@
           <a:p>
             <a:fld id="{32936937-EAA9-45F5-BFDC-3AB1C666CB91}" type="datetimeFigureOut">
               <a:rPr lang="en-US" smtClean="0"/>
-              <a:t>5/26/2020</a:t>
+              <a:t>5/30/2020</a:t>
             </a:fld>
             <a:endParaRPr lang="en-US"/>
           </a:p>
@@ -593,7 +593,7 @@
           <a:p>
             <a:fld id="{32936937-EAA9-45F5-BFDC-3AB1C666CB91}" type="datetimeFigureOut">
               <a:rPr lang="en-US" smtClean="0"/>
-              <a:t>5/26/2020</a:t>
+              <a:t>5/30/2020</a:t>
             </a:fld>
             <a:endParaRPr lang="en-US"/>
           </a:p>
@@ -763,7 +763,7 @@
           <a:p>
             <a:fld id="{32936937-EAA9-45F5-BFDC-3AB1C666CB91}" type="datetimeFigureOut">
               <a:rPr lang="en-US" smtClean="0"/>
-              <a:t>5/26/2020</a:t>
+              <a:t>5/30/2020</a:t>
             </a:fld>
             <a:endParaRPr lang="en-US"/>
           </a:p>
@@ -1007,7 +1007,7 @@
           <a:p>
             <a:fld id="{32936937-EAA9-45F5-BFDC-3AB1C666CB91}" type="datetimeFigureOut">
               <a:rPr lang="en-US" smtClean="0"/>
-              <a:t>5/26/2020</a:t>
+              <a:t>5/30/2020</a:t>
             </a:fld>
             <a:endParaRPr lang="en-US"/>
           </a:p>
@@ -1239,7 +1239,7 @@
           <a:p>
             <a:fld id="{32936937-EAA9-45F5-BFDC-3AB1C666CB91}" type="datetimeFigureOut">
               <a:rPr lang="en-US" smtClean="0"/>
-              <a:t>5/26/2020</a:t>
+              <a:t>5/30/2020</a:t>
             </a:fld>
             <a:endParaRPr lang="en-US"/>
           </a:p>
@@ -1606,7 +1606,7 @@
           <a:p>
             <a:fld id="{32936937-EAA9-45F5-BFDC-3AB1C666CB91}" type="datetimeFigureOut">
               <a:rPr lang="en-US" smtClean="0"/>
-              <a:t>5/26/2020</a:t>
+              <a:t>5/30/2020</a:t>
             </a:fld>
             <a:endParaRPr lang="en-US"/>
           </a:p>
@@ -1724,7 +1724,7 @@
           <a:p>
             <a:fld id="{32936937-EAA9-45F5-BFDC-3AB1C666CB91}" type="datetimeFigureOut">
               <a:rPr lang="en-US" smtClean="0"/>
-              <a:t>5/26/2020</a:t>
+              <a:t>5/30/2020</a:t>
             </a:fld>
             <a:endParaRPr lang="en-US"/>
           </a:p>
@@ -1819,7 +1819,7 @@
           <a:p>
             <a:fld id="{32936937-EAA9-45F5-BFDC-3AB1C666CB91}" type="datetimeFigureOut">
               <a:rPr lang="en-US" smtClean="0"/>
-              <a:t>5/26/2020</a:t>
+              <a:t>5/30/2020</a:t>
             </a:fld>
             <a:endParaRPr lang="en-US"/>
           </a:p>
@@ -2096,7 +2096,7 @@
           <a:p>
             <a:fld id="{32936937-EAA9-45F5-BFDC-3AB1C666CB91}" type="datetimeFigureOut">
               <a:rPr lang="en-US" smtClean="0"/>
-              <a:t>5/26/2020</a:t>
+              <a:t>5/30/2020</a:t>
             </a:fld>
             <a:endParaRPr lang="en-US"/>
           </a:p>
@@ -2353,7 +2353,7 @@
           <a:p>
             <a:fld id="{32936937-EAA9-45F5-BFDC-3AB1C666CB91}" type="datetimeFigureOut">
               <a:rPr lang="en-US" smtClean="0"/>
-              <a:t>5/26/2020</a:t>
+              <a:t>5/30/2020</a:t>
             </a:fld>
             <a:endParaRPr lang="en-US"/>
           </a:p>
@@ -2566,7 +2566,7 @@
           <a:p>
             <a:fld id="{32936937-EAA9-45F5-BFDC-3AB1C666CB91}" type="datetimeFigureOut">
               <a:rPr lang="en-US" smtClean="0"/>
-              <a:t>5/26/2020</a:t>
+              <a:t>5/30/2020</a:t>
             </a:fld>
             <a:endParaRPr lang="en-US"/>
           </a:p>

--- a/docs/mainboard_pics.pptx
+++ b/docs/mainboard_pics.pptx
@@ -5,7 +5,7 @@
     <p:sldMasterId id="2147483672" r:id="rId1"/>
   </p:sldMasterIdLst>
   <p:sldIdLst>
-    <p:sldId id="257" r:id="rId2"/>
+    <p:sldId id="259" r:id="rId2"/>
   </p:sldIdLst>
   <p:sldSz cx="21442363" cy="15360650"/>
   <p:notesSz cx="6858000" cy="9144000"/>
@@ -243,7 +243,7 @@
           <a:p>
             <a:fld id="{32936937-EAA9-45F5-BFDC-3AB1C666CB91}" type="datetimeFigureOut">
               <a:rPr lang="en-US" smtClean="0"/>
-              <a:t>5/30/2020</a:t>
+              <a:t>6/25/2020</a:t>
             </a:fld>
             <a:endParaRPr lang="en-US"/>
           </a:p>
@@ -413,7 +413,7 @@
           <a:p>
             <a:fld id="{32936937-EAA9-45F5-BFDC-3AB1C666CB91}" type="datetimeFigureOut">
               <a:rPr lang="en-US" smtClean="0"/>
-              <a:t>5/30/2020</a:t>
+              <a:t>6/25/2020</a:t>
             </a:fld>
             <a:endParaRPr lang="en-US"/>
           </a:p>
@@ -593,7 +593,7 @@
           <a:p>
             <a:fld id="{32936937-EAA9-45F5-BFDC-3AB1C666CB91}" type="datetimeFigureOut">
               <a:rPr lang="en-US" smtClean="0"/>
-              <a:t>5/30/2020</a:t>
+              <a:t>6/25/2020</a:t>
             </a:fld>
             <a:endParaRPr lang="en-US"/>
           </a:p>
@@ -763,7 +763,7 @@
           <a:p>
             <a:fld id="{32936937-EAA9-45F5-BFDC-3AB1C666CB91}" type="datetimeFigureOut">
               <a:rPr lang="en-US" smtClean="0"/>
-              <a:t>5/30/2020</a:t>
+              <a:t>6/25/2020</a:t>
             </a:fld>
             <a:endParaRPr lang="en-US"/>
           </a:p>
@@ -1007,7 +1007,7 @@
           <a:p>
             <a:fld id="{32936937-EAA9-45F5-BFDC-3AB1C666CB91}" type="datetimeFigureOut">
               <a:rPr lang="en-US" smtClean="0"/>
-              <a:t>5/30/2020</a:t>
+              <a:t>6/25/2020</a:t>
             </a:fld>
             <a:endParaRPr lang="en-US"/>
           </a:p>
@@ -1239,7 +1239,7 @@
           <a:p>
             <a:fld id="{32936937-EAA9-45F5-BFDC-3AB1C666CB91}" type="datetimeFigureOut">
               <a:rPr lang="en-US" smtClean="0"/>
-              <a:t>5/30/2020</a:t>
+              <a:t>6/25/2020</a:t>
             </a:fld>
             <a:endParaRPr lang="en-US"/>
           </a:p>
@@ -1606,7 +1606,7 @@
           <a:p>
             <a:fld id="{32936937-EAA9-45F5-BFDC-3AB1C666CB91}" type="datetimeFigureOut">
               <a:rPr lang="en-US" smtClean="0"/>
-              <a:t>5/30/2020</a:t>
+              <a:t>6/25/2020</a:t>
             </a:fld>
             <a:endParaRPr lang="en-US"/>
           </a:p>
@@ -1724,7 +1724,7 @@
           <a:p>
             <a:fld id="{32936937-EAA9-45F5-BFDC-3AB1C666CB91}" type="datetimeFigureOut">
               <a:rPr lang="en-US" smtClean="0"/>
-              <a:t>5/30/2020</a:t>
+              <a:t>6/25/2020</a:t>
             </a:fld>
             <a:endParaRPr lang="en-US"/>
           </a:p>
@@ -1819,7 +1819,7 @@
           <a:p>
             <a:fld id="{32936937-EAA9-45F5-BFDC-3AB1C666CB91}" type="datetimeFigureOut">
               <a:rPr lang="en-US" smtClean="0"/>
-              <a:t>5/30/2020</a:t>
+              <a:t>6/25/2020</a:t>
             </a:fld>
             <a:endParaRPr lang="en-US"/>
           </a:p>
@@ -2096,7 +2096,7 @@
           <a:p>
             <a:fld id="{32936937-EAA9-45F5-BFDC-3AB1C666CB91}" type="datetimeFigureOut">
               <a:rPr lang="en-US" smtClean="0"/>
-              <a:t>5/30/2020</a:t>
+              <a:t>6/25/2020</a:t>
             </a:fld>
             <a:endParaRPr lang="en-US"/>
           </a:p>
@@ -2353,7 +2353,7 @@
           <a:p>
             <a:fld id="{32936937-EAA9-45F5-BFDC-3AB1C666CB91}" type="datetimeFigureOut">
               <a:rPr lang="en-US" smtClean="0"/>
-              <a:t>5/30/2020</a:t>
+              <a:t>6/25/2020</a:t>
             </a:fld>
             <a:endParaRPr lang="en-US"/>
           </a:p>
@@ -2566,7 +2566,7 @@
           <a:p>
             <a:fld id="{32936937-EAA9-45F5-BFDC-3AB1C666CB91}" type="datetimeFigureOut">
               <a:rPr lang="en-US" smtClean="0"/>
-              <a:t>5/30/2020</a:t>
+              <a:t>6/25/2020</a:t>
             </a:fld>
             <a:endParaRPr lang="en-US"/>
           </a:p>
@@ -2971,6 +2971,1384 @@
           <a:chExt cx="0" cy="0"/>
         </a:xfrm>
       </p:grpSpPr>
+      <p:sp>
+        <p:nvSpPr>
+          <p:cNvPr id="69" name="TextBox 68"/>
+          <p:cNvSpPr txBox="1"/>
+          <p:nvPr/>
+        </p:nvSpPr>
+        <p:spPr>
+          <a:xfrm>
+            <a:off x="17319096" y="11396166"/>
+            <a:ext cx="287189" cy="400288"/>
+          </a:xfrm>
+          <a:custGeom>
+            <a:avLst/>
+            <a:gdLst>
+              <a:gd name="connsiteX0" fmla="*/ 0 w 2137418"/>
+              <a:gd name="connsiteY0" fmla="*/ 0 h 369332"/>
+              <a:gd name="connsiteX1" fmla="*/ 2137418 w 2137418"/>
+              <a:gd name="connsiteY1" fmla="*/ 0 h 369332"/>
+              <a:gd name="connsiteX2" fmla="*/ 2137418 w 2137418"/>
+              <a:gd name="connsiteY2" fmla="*/ 369332 h 369332"/>
+              <a:gd name="connsiteX3" fmla="*/ 0 w 2137418"/>
+              <a:gd name="connsiteY3" fmla="*/ 369332 h 369332"/>
+              <a:gd name="connsiteX4" fmla="*/ 0 w 2137418"/>
+              <a:gd name="connsiteY4" fmla="*/ 0 h 369332"/>
+              <a:gd name="connsiteX0" fmla="*/ 0 w 2137418"/>
+              <a:gd name="connsiteY0" fmla="*/ 0 h 431244"/>
+              <a:gd name="connsiteX1" fmla="*/ 2137418 w 2137418"/>
+              <a:gd name="connsiteY1" fmla="*/ 0 h 431244"/>
+              <a:gd name="connsiteX2" fmla="*/ 299093 w 2137418"/>
+              <a:gd name="connsiteY2" fmla="*/ 431244 h 431244"/>
+              <a:gd name="connsiteX3" fmla="*/ 0 w 2137418"/>
+              <a:gd name="connsiteY3" fmla="*/ 369332 h 431244"/>
+              <a:gd name="connsiteX4" fmla="*/ 0 w 2137418"/>
+              <a:gd name="connsiteY4" fmla="*/ 0 h 431244"/>
+              <a:gd name="connsiteX0" fmla="*/ 0 w 313380"/>
+              <a:gd name="connsiteY0" fmla="*/ 0 h 431244"/>
+              <a:gd name="connsiteX1" fmla="*/ 313380 w 313380"/>
+              <a:gd name="connsiteY1" fmla="*/ 85725 h 431244"/>
+              <a:gd name="connsiteX2" fmla="*/ 299093 w 313380"/>
+              <a:gd name="connsiteY2" fmla="*/ 431244 h 431244"/>
+              <a:gd name="connsiteX3" fmla="*/ 0 w 313380"/>
+              <a:gd name="connsiteY3" fmla="*/ 369332 h 431244"/>
+              <a:gd name="connsiteX4" fmla="*/ 0 w 313380"/>
+              <a:gd name="connsiteY4" fmla="*/ 0 h 431244"/>
+              <a:gd name="connsiteX0" fmla="*/ 0 w 299093"/>
+              <a:gd name="connsiteY0" fmla="*/ 0 h 431244"/>
+              <a:gd name="connsiteX1" fmla="*/ 294330 w 299093"/>
+              <a:gd name="connsiteY1" fmla="*/ 119062 h 431244"/>
+              <a:gd name="connsiteX2" fmla="*/ 299093 w 299093"/>
+              <a:gd name="connsiteY2" fmla="*/ 431244 h 431244"/>
+              <a:gd name="connsiteX3" fmla="*/ 0 w 299093"/>
+              <a:gd name="connsiteY3" fmla="*/ 369332 h 431244"/>
+              <a:gd name="connsiteX4" fmla="*/ 0 w 299093"/>
+              <a:gd name="connsiteY4" fmla="*/ 0 h 431244"/>
+              <a:gd name="connsiteX0" fmla="*/ 0 w 318223"/>
+              <a:gd name="connsiteY0" fmla="*/ 0 h 431244"/>
+              <a:gd name="connsiteX1" fmla="*/ 318142 w 318223"/>
+              <a:gd name="connsiteY1" fmla="*/ 123825 h 431244"/>
+              <a:gd name="connsiteX2" fmla="*/ 299093 w 318223"/>
+              <a:gd name="connsiteY2" fmla="*/ 431244 h 431244"/>
+              <a:gd name="connsiteX3" fmla="*/ 0 w 318223"/>
+              <a:gd name="connsiteY3" fmla="*/ 369332 h 431244"/>
+              <a:gd name="connsiteX4" fmla="*/ 0 w 318223"/>
+              <a:gd name="connsiteY4" fmla="*/ 0 h 431244"/>
+              <a:gd name="connsiteX0" fmla="*/ 0 w 346718"/>
+              <a:gd name="connsiteY0" fmla="*/ 0 h 431244"/>
+              <a:gd name="connsiteX1" fmla="*/ 318142 w 346718"/>
+              <a:gd name="connsiteY1" fmla="*/ 123825 h 431244"/>
+              <a:gd name="connsiteX2" fmla="*/ 346718 w 346718"/>
+              <a:gd name="connsiteY2" fmla="*/ 431244 h 431244"/>
+              <a:gd name="connsiteX3" fmla="*/ 0 w 346718"/>
+              <a:gd name="connsiteY3" fmla="*/ 369332 h 431244"/>
+              <a:gd name="connsiteX4" fmla="*/ 0 w 346718"/>
+              <a:gd name="connsiteY4" fmla="*/ 0 h 431244"/>
+              <a:gd name="connsiteX0" fmla="*/ 0 w 346718"/>
+              <a:gd name="connsiteY0" fmla="*/ 0 h 431244"/>
+              <a:gd name="connsiteX1" fmla="*/ 318142 w 346718"/>
+              <a:gd name="connsiteY1" fmla="*/ 123825 h 431244"/>
+              <a:gd name="connsiteX2" fmla="*/ 346718 w 346718"/>
+              <a:gd name="connsiteY2" fmla="*/ 431244 h 431244"/>
+              <a:gd name="connsiteX3" fmla="*/ 19050 w 346718"/>
+              <a:gd name="connsiteY3" fmla="*/ 359807 h 431244"/>
+              <a:gd name="connsiteX4" fmla="*/ 0 w 346718"/>
+              <a:gd name="connsiteY4" fmla="*/ 0 h 431244"/>
+              <a:gd name="connsiteX0" fmla="*/ 42862 w 327668"/>
+              <a:gd name="connsiteY0" fmla="*/ 0 h 416956"/>
+              <a:gd name="connsiteX1" fmla="*/ 299092 w 327668"/>
+              <a:gd name="connsiteY1" fmla="*/ 109537 h 416956"/>
+              <a:gd name="connsiteX2" fmla="*/ 327668 w 327668"/>
+              <a:gd name="connsiteY2" fmla="*/ 416956 h 416956"/>
+              <a:gd name="connsiteX3" fmla="*/ 0 w 327668"/>
+              <a:gd name="connsiteY3" fmla="*/ 345519 h 416956"/>
+              <a:gd name="connsiteX4" fmla="*/ 42862 w 327668"/>
+              <a:gd name="connsiteY4" fmla="*/ 0 h 416956"/>
+              <a:gd name="connsiteX0" fmla="*/ 0 w 332431"/>
+              <a:gd name="connsiteY0" fmla="*/ 0 h 445531"/>
+              <a:gd name="connsiteX1" fmla="*/ 303855 w 332431"/>
+              <a:gd name="connsiteY1" fmla="*/ 138112 h 445531"/>
+              <a:gd name="connsiteX2" fmla="*/ 332431 w 332431"/>
+              <a:gd name="connsiteY2" fmla="*/ 445531 h 445531"/>
+              <a:gd name="connsiteX3" fmla="*/ 4763 w 332431"/>
+              <a:gd name="connsiteY3" fmla="*/ 374094 h 445531"/>
+              <a:gd name="connsiteX4" fmla="*/ 0 w 332431"/>
+              <a:gd name="connsiteY4" fmla="*/ 0 h 445531"/>
+              <a:gd name="connsiteX0" fmla="*/ 0 w 320525"/>
+              <a:gd name="connsiteY0" fmla="*/ 0 h 445531"/>
+              <a:gd name="connsiteX1" fmla="*/ 303855 w 320525"/>
+              <a:gd name="connsiteY1" fmla="*/ 138112 h 445531"/>
+              <a:gd name="connsiteX2" fmla="*/ 320525 w 320525"/>
+              <a:gd name="connsiteY2" fmla="*/ 445531 h 445531"/>
+              <a:gd name="connsiteX3" fmla="*/ 4763 w 320525"/>
+              <a:gd name="connsiteY3" fmla="*/ 374094 h 445531"/>
+              <a:gd name="connsiteX4" fmla="*/ 0 w 320525"/>
+              <a:gd name="connsiteY4" fmla="*/ 0 h 445531"/>
+              <a:gd name="connsiteX0" fmla="*/ 0 w 320981"/>
+              <a:gd name="connsiteY0" fmla="*/ 0 h 445531"/>
+              <a:gd name="connsiteX1" fmla="*/ 320523 w 320981"/>
+              <a:gd name="connsiteY1" fmla="*/ 176212 h 445531"/>
+              <a:gd name="connsiteX2" fmla="*/ 320525 w 320981"/>
+              <a:gd name="connsiteY2" fmla="*/ 445531 h 445531"/>
+              <a:gd name="connsiteX3" fmla="*/ 4763 w 320981"/>
+              <a:gd name="connsiteY3" fmla="*/ 374094 h 445531"/>
+              <a:gd name="connsiteX4" fmla="*/ 0 w 320981"/>
+              <a:gd name="connsiteY4" fmla="*/ 0 h 445531"/>
+              <a:gd name="connsiteX0" fmla="*/ 0 w 325497"/>
+              <a:gd name="connsiteY0" fmla="*/ 0 h 445531"/>
+              <a:gd name="connsiteX1" fmla="*/ 325286 w 325497"/>
+              <a:gd name="connsiteY1" fmla="*/ 159543 h 445531"/>
+              <a:gd name="connsiteX2" fmla="*/ 320525 w 325497"/>
+              <a:gd name="connsiteY2" fmla="*/ 445531 h 445531"/>
+              <a:gd name="connsiteX3" fmla="*/ 4763 w 325497"/>
+              <a:gd name="connsiteY3" fmla="*/ 374094 h 445531"/>
+              <a:gd name="connsiteX4" fmla="*/ 0 w 325497"/>
+              <a:gd name="connsiteY4" fmla="*/ 0 h 445531"/>
+              <a:gd name="connsiteX0" fmla="*/ 0 w 325497"/>
+              <a:gd name="connsiteY0" fmla="*/ 0 h 445531"/>
+              <a:gd name="connsiteX1" fmla="*/ 325286 w 325497"/>
+              <a:gd name="connsiteY1" fmla="*/ 157161 h 445531"/>
+              <a:gd name="connsiteX2" fmla="*/ 320525 w 325497"/>
+              <a:gd name="connsiteY2" fmla="*/ 445531 h 445531"/>
+              <a:gd name="connsiteX3" fmla="*/ 4763 w 325497"/>
+              <a:gd name="connsiteY3" fmla="*/ 374094 h 445531"/>
+              <a:gd name="connsiteX4" fmla="*/ 0 w 325497"/>
+              <a:gd name="connsiteY4" fmla="*/ 0 h 445531"/>
+              <a:gd name="connsiteX0" fmla="*/ 0 w 325497"/>
+              <a:gd name="connsiteY0" fmla="*/ 0 h 450293"/>
+              <a:gd name="connsiteX1" fmla="*/ 325286 w 325497"/>
+              <a:gd name="connsiteY1" fmla="*/ 157161 h 450293"/>
+              <a:gd name="connsiteX2" fmla="*/ 320525 w 325497"/>
+              <a:gd name="connsiteY2" fmla="*/ 450293 h 450293"/>
+              <a:gd name="connsiteX3" fmla="*/ 4763 w 325497"/>
+              <a:gd name="connsiteY3" fmla="*/ 374094 h 450293"/>
+              <a:gd name="connsiteX4" fmla="*/ 0 w 325497"/>
+              <a:gd name="connsiteY4" fmla="*/ 0 h 450293"/>
+              <a:gd name="connsiteX0" fmla="*/ 0 w 325497"/>
+              <a:gd name="connsiteY0" fmla="*/ 0 h 452675"/>
+              <a:gd name="connsiteX1" fmla="*/ 325286 w 325497"/>
+              <a:gd name="connsiteY1" fmla="*/ 159543 h 452675"/>
+              <a:gd name="connsiteX2" fmla="*/ 320525 w 325497"/>
+              <a:gd name="connsiteY2" fmla="*/ 452675 h 452675"/>
+              <a:gd name="connsiteX3" fmla="*/ 4763 w 325497"/>
+              <a:gd name="connsiteY3" fmla="*/ 376476 h 452675"/>
+              <a:gd name="connsiteX4" fmla="*/ 0 w 325497"/>
+              <a:gd name="connsiteY4" fmla="*/ 0 h 452675"/>
+              <a:gd name="connsiteX0" fmla="*/ 0 w 320525"/>
+              <a:gd name="connsiteY0" fmla="*/ 0 h 452675"/>
+              <a:gd name="connsiteX1" fmla="*/ 280043 w 320525"/>
+              <a:gd name="connsiteY1" fmla="*/ 80962 h 452675"/>
+              <a:gd name="connsiteX2" fmla="*/ 320525 w 320525"/>
+              <a:gd name="connsiteY2" fmla="*/ 452675 h 452675"/>
+              <a:gd name="connsiteX3" fmla="*/ 4763 w 320525"/>
+              <a:gd name="connsiteY3" fmla="*/ 376476 h 452675"/>
+              <a:gd name="connsiteX4" fmla="*/ 0 w 320525"/>
+              <a:gd name="connsiteY4" fmla="*/ 0 h 452675"/>
+              <a:gd name="connsiteX0" fmla="*/ 0 w 280133"/>
+              <a:gd name="connsiteY0" fmla="*/ 0 h 376476"/>
+              <a:gd name="connsiteX1" fmla="*/ 280043 w 280133"/>
+              <a:gd name="connsiteY1" fmla="*/ 80962 h 376476"/>
+              <a:gd name="connsiteX2" fmla="*/ 263375 w 280133"/>
+              <a:gd name="connsiteY2" fmla="*/ 359806 h 376476"/>
+              <a:gd name="connsiteX3" fmla="*/ 4763 w 280133"/>
+              <a:gd name="connsiteY3" fmla="*/ 376476 h 376476"/>
+              <a:gd name="connsiteX4" fmla="*/ 0 w 280133"/>
+              <a:gd name="connsiteY4" fmla="*/ 0 h 376476"/>
+              <a:gd name="connsiteX0" fmla="*/ 0 w 280145"/>
+              <a:gd name="connsiteY0" fmla="*/ 0 h 376476"/>
+              <a:gd name="connsiteX1" fmla="*/ 280043 w 280145"/>
+              <a:gd name="connsiteY1" fmla="*/ 80962 h 376476"/>
+              <a:gd name="connsiteX2" fmla="*/ 265757 w 280145"/>
+              <a:gd name="connsiteY2" fmla="*/ 374093 h 376476"/>
+              <a:gd name="connsiteX3" fmla="*/ 4763 w 280145"/>
+              <a:gd name="connsiteY3" fmla="*/ 376476 h 376476"/>
+              <a:gd name="connsiteX4" fmla="*/ 0 w 280145"/>
+              <a:gd name="connsiteY4" fmla="*/ 0 h 376476"/>
+              <a:gd name="connsiteX0" fmla="*/ 0 w 280145"/>
+              <a:gd name="connsiteY0" fmla="*/ 0 h 376476"/>
+              <a:gd name="connsiteX1" fmla="*/ 280043 w 280145"/>
+              <a:gd name="connsiteY1" fmla="*/ 80962 h 376476"/>
+              <a:gd name="connsiteX2" fmla="*/ 265757 w 280145"/>
+              <a:gd name="connsiteY2" fmla="*/ 374093 h 376476"/>
+              <a:gd name="connsiteX3" fmla="*/ 21432 w 280145"/>
+              <a:gd name="connsiteY3" fmla="*/ 376476 h 376476"/>
+              <a:gd name="connsiteX4" fmla="*/ 0 w 280145"/>
+              <a:gd name="connsiteY4" fmla="*/ 0 h 376476"/>
+              <a:gd name="connsiteX0" fmla="*/ 0 w 327770"/>
+              <a:gd name="connsiteY0" fmla="*/ 0 h 371713"/>
+              <a:gd name="connsiteX1" fmla="*/ 327668 w 327770"/>
+              <a:gd name="connsiteY1" fmla="*/ 76199 h 371713"/>
+              <a:gd name="connsiteX2" fmla="*/ 313382 w 327770"/>
+              <a:gd name="connsiteY2" fmla="*/ 369330 h 371713"/>
+              <a:gd name="connsiteX3" fmla="*/ 69057 w 327770"/>
+              <a:gd name="connsiteY3" fmla="*/ 371713 h 371713"/>
+              <a:gd name="connsiteX4" fmla="*/ 0 w 327770"/>
+              <a:gd name="connsiteY4" fmla="*/ 0 h 371713"/>
+              <a:gd name="connsiteX0" fmla="*/ 0 w 296813"/>
+              <a:gd name="connsiteY0" fmla="*/ 0 h 366950"/>
+              <a:gd name="connsiteX1" fmla="*/ 296711 w 296813"/>
+              <a:gd name="connsiteY1" fmla="*/ 71436 h 366950"/>
+              <a:gd name="connsiteX2" fmla="*/ 282425 w 296813"/>
+              <a:gd name="connsiteY2" fmla="*/ 364567 h 366950"/>
+              <a:gd name="connsiteX3" fmla="*/ 38100 w 296813"/>
+              <a:gd name="connsiteY3" fmla="*/ 366950 h 366950"/>
+              <a:gd name="connsiteX4" fmla="*/ 0 w 296813"/>
+              <a:gd name="connsiteY4" fmla="*/ 0 h 366950"/>
+              <a:gd name="connsiteX0" fmla="*/ 0 w 294446"/>
+              <a:gd name="connsiteY0" fmla="*/ 0 h 366950"/>
+              <a:gd name="connsiteX1" fmla="*/ 294329 w 294446"/>
+              <a:gd name="connsiteY1" fmla="*/ 64292 h 366950"/>
+              <a:gd name="connsiteX2" fmla="*/ 282425 w 294446"/>
+              <a:gd name="connsiteY2" fmla="*/ 364567 h 366950"/>
+              <a:gd name="connsiteX3" fmla="*/ 38100 w 294446"/>
+              <a:gd name="connsiteY3" fmla="*/ 366950 h 366950"/>
+              <a:gd name="connsiteX4" fmla="*/ 0 w 294446"/>
+              <a:gd name="connsiteY4" fmla="*/ 0 h 366950"/>
+              <a:gd name="connsiteX0" fmla="*/ 0 w 296828"/>
+              <a:gd name="connsiteY0" fmla="*/ 0 h 381237"/>
+              <a:gd name="connsiteX1" fmla="*/ 296711 w 296828"/>
+              <a:gd name="connsiteY1" fmla="*/ 78579 h 381237"/>
+              <a:gd name="connsiteX2" fmla="*/ 284807 w 296828"/>
+              <a:gd name="connsiteY2" fmla="*/ 378854 h 381237"/>
+              <a:gd name="connsiteX3" fmla="*/ 40482 w 296828"/>
+              <a:gd name="connsiteY3" fmla="*/ 381237 h 381237"/>
+              <a:gd name="connsiteX4" fmla="*/ 0 w 296828"/>
+              <a:gd name="connsiteY4" fmla="*/ 0 h 381237"/>
+              <a:gd name="connsiteX0" fmla="*/ 0 w 296828"/>
+              <a:gd name="connsiteY0" fmla="*/ 0 h 383618"/>
+              <a:gd name="connsiteX1" fmla="*/ 296711 w 296828"/>
+              <a:gd name="connsiteY1" fmla="*/ 78579 h 383618"/>
+              <a:gd name="connsiteX2" fmla="*/ 284807 w 296828"/>
+              <a:gd name="connsiteY2" fmla="*/ 378854 h 383618"/>
+              <a:gd name="connsiteX3" fmla="*/ 33339 w 296828"/>
+              <a:gd name="connsiteY3" fmla="*/ 383618 h 383618"/>
+              <a:gd name="connsiteX4" fmla="*/ 0 w 296828"/>
+              <a:gd name="connsiteY4" fmla="*/ 0 h 383618"/>
+              <a:gd name="connsiteX0" fmla="*/ 0 w 296828"/>
+              <a:gd name="connsiteY0" fmla="*/ 0 h 383618"/>
+              <a:gd name="connsiteX1" fmla="*/ 296711 w 296828"/>
+              <a:gd name="connsiteY1" fmla="*/ 66673 h 383618"/>
+              <a:gd name="connsiteX2" fmla="*/ 284807 w 296828"/>
+              <a:gd name="connsiteY2" fmla="*/ 378854 h 383618"/>
+              <a:gd name="connsiteX3" fmla="*/ 33339 w 296828"/>
+              <a:gd name="connsiteY3" fmla="*/ 383618 h 383618"/>
+              <a:gd name="connsiteX4" fmla="*/ 0 w 296828"/>
+              <a:gd name="connsiteY4" fmla="*/ 0 h 383618"/>
+              <a:gd name="connsiteX0" fmla="*/ 0 w 296828"/>
+              <a:gd name="connsiteY0" fmla="*/ 0 h 393143"/>
+              <a:gd name="connsiteX1" fmla="*/ 296711 w 296828"/>
+              <a:gd name="connsiteY1" fmla="*/ 76198 h 393143"/>
+              <a:gd name="connsiteX2" fmla="*/ 284807 w 296828"/>
+              <a:gd name="connsiteY2" fmla="*/ 388379 h 393143"/>
+              <a:gd name="connsiteX3" fmla="*/ 33339 w 296828"/>
+              <a:gd name="connsiteY3" fmla="*/ 393143 h 393143"/>
+              <a:gd name="connsiteX4" fmla="*/ 0 w 296828"/>
+              <a:gd name="connsiteY4" fmla="*/ 0 h 393143"/>
+              <a:gd name="connsiteX0" fmla="*/ 0 w 296828"/>
+              <a:gd name="connsiteY0" fmla="*/ 83345 h 476488"/>
+              <a:gd name="connsiteX1" fmla="*/ 296711 w 296828"/>
+              <a:gd name="connsiteY1" fmla="*/ 0 h 476488"/>
+              <a:gd name="connsiteX2" fmla="*/ 284807 w 296828"/>
+              <a:gd name="connsiteY2" fmla="*/ 471724 h 476488"/>
+              <a:gd name="connsiteX3" fmla="*/ 33339 w 296828"/>
+              <a:gd name="connsiteY3" fmla="*/ 476488 h 476488"/>
+              <a:gd name="connsiteX4" fmla="*/ 0 w 296828"/>
+              <a:gd name="connsiteY4" fmla="*/ 83345 h 476488"/>
+              <a:gd name="connsiteX0" fmla="*/ 0 w 297169"/>
+              <a:gd name="connsiteY0" fmla="*/ 83345 h 476488"/>
+              <a:gd name="connsiteX1" fmla="*/ 296711 w 297169"/>
+              <a:gd name="connsiteY1" fmla="*/ 0 h 476488"/>
+              <a:gd name="connsiteX2" fmla="*/ 296713 w 297169"/>
+              <a:gd name="connsiteY2" fmla="*/ 369331 h 476488"/>
+              <a:gd name="connsiteX3" fmla="*/ 33339 w 297169"/>
+              <a:gd name="connsiteY3" fmla="*/ 476488 h 476488"/>
+              <a:gd name="connsiteX4" fmla="*/ 0 w 297169"/>
+              <a:gd name="connsiteY4" fmla="*/ 83345 h 476488"/>
+              <a:gd name="connsiteX0" fmla="*/ 0 w 299095"/>
+              <a:gd name="connsiteY0" fmla="*/ 83345 h 476488"/>
+              <a:gd name="connsiteX1" fmla="*/ 296711 w 299095"/>
+              <a:gd name="connsiteY1" fmla="*/ 0 h 476488"/>
+              <a:gd name="connsiteX2" fmla="*/ 299095 w 299095"/>
+              <a:gd name="connsiteY2" fmla="*/ 381237 h 476488"/>
+              <a:gd name="connsiteX3" fmla="*/ 33339 w 299095"/>
+              <a:gd name="connsiteY3" fmla="*/ 476488 h 476488"/>
+              <a:gd name="connsiteX4" fmla="*/ 0 w 299095"/>
+              <a:gd name="connsiteY4" fmla="*/ 83345 h 476488"/>
+              <a:gd name="connsiteX0" fmla="*/ 0 w 287189"/>
+              <a:gd name="connsiteY0" fmla="*/ 50008 h 476488"/>
+              <a:gd name="connsiteX1" fmla="*/ 284805 w 287189"/>
+              <a:gd name="connsiteY1" fmla="*/ 0 h 476488"/>
+              <a:gd name="connsiteX2" fmla="*/ 287189 w 287189"/>
+              <a:gd name="connsiteY2" fmla="*/ 381237 h 476488"/>
+              <a:gd name="connsiteX3" fmla="*/ 21433 w 287189"/>
+              <a:gd name="connsiteY3" fmla="*/ 476488 h 476488"/>
+              <a:gd name="connsiteX4" fmla="*/ 0 w 287189"/>
+              <a:gd name="connsiteY4" fmla="*/ 50008 h 476488"/>
+              <a:gd name="connsiteX0" fmla="*/ 0 w 287189"/>
+              <a:gd name="connsiteY0" fmla="*/ 50008 h 400288"/>
+              <a:gd name="connsiteX1" fmla="*/ 284805 w 287189"/>
+              <a:gd name="connsiteY1" fmla="*/ 0 h 400288"/>
+              <a:gd name="connsiteX2" fmla="*/ 287189 w 287189"/>
+              <a:gd name="connsiteY2" fmla="*/ 381237 h 400288"/>
+              <a:gd name="connsiteX3" fmla="*/ 4764 w 287189"/>
+              <a:gd name="connsiteY3" fmla="*/ 400288 h 400288"/>
+              <a:gd name="connsiteX4" fmla="*/ 0 w 287189"/>
+              <a:gd name="connsiteY4" fmla="*/ 50008 h 400288"/>
+              <a:gd name="connsiteX0" fmla="*/ 0 w 287189"/>
+              <a:gd name="connsiteY0" fmla="*/ 50008 h 402670"/>
+              <a:gd name="connsiteX1" fmla="*/ 284805 w 287189"/>
+              <a:gd name="connsiteY1" fmla="*/ 0 h 402670"/>
+              <a:gd name="connsiteX2" fmla="*/ 287189 w 287189"/>
+              <a:gd name="connsiteY2" fmla="*/ 381237 h 402670"/>
+              <a:gd name="connsiteX3" fmla="*/ 28576 w 287189"/>
+              <a:gd name="connsiteY3" fmla="*/ 402670 h 402670"/>
+              <a:gd name="connsiteX4" fmla="*/ 0 w 287189"/>
+              <a:gd name="connsiteY4" fmla="*/ 50008 h 402670"/>
+              <a:gd name="connsiteX0" fmla="*/ 0 w 287189"/>
+              <a:gd name="connsiteY0" fmla="*/ 50008 h 400288"/>
+              <a:gd name="connsiteX1" fmla="*/ 284805 w 287189"/>
+              <a:gd name="connsiteY1" fmla="*/ 0 h 400288"/>
+              <a:gd name="connsiteX2" fmla="*/ 287189 w 287189"/>
+              <a:gd name="connsiteY2" fmla="*/ 381237 h 400288"/>
+              <a:gd name="connsiteX3" fmla="*/ 19051 w 287189"/>
+              <a:gd name="connsiteY3" fmla="*/ 400288 h 400288"/>
+              <a:gd name="connsiteX4" fmla="*/ 0 w 287189"/>
+              <a:gd name="connsiteY4" fmla="*/ 50008 h 400288"/>
+              <a:gd name="connsiteX0" fmla="*/ 0 w 287189"/>
+              <a:gd name="connsiteY0" fmla="*/ 50008 h 400288"/>
+              <a:gd name="connsiteX1" fmla="*/ 284805 w 287189"/>
+              <a:gd name="connsiteY1" fmla="*/ 0 h 400288"/>
+              <a:gd name="connsiteX2" fmla="*/ 287189 w 287189"/>
+              <a:gd name="connsiteY2" fmla="*/ 393143 h 400288"/>
+              <a:gd name="connsiteX3" fmla="*/ 19051 w 287189"/>
+              <a:gd name="connsiteY3" fmla="*/ 400288 h 400288"/>
+              <a:gd name="connsiteX4" fmla="*/ 0 w 287189"/>
+              <a:gd name="connsiteY4" fmla="*/ 50008 h 400288"/>
+            </a:gdLst>
+            <a:ahLst/>
+            <a:cxnLst>
+              <a:cxn ang="0">
+                <a:pos x="connsiteX0" y="connsiteY0"/>
+              </a:cxn>
+              <a:cxn ang="0">
+                <a:pos x="connsiteX1" y="connsiteY1"/>
+              </a:cxn>
+              <a:cxn ang="0">
+                <a:pos x="connsiteX2" y="connsiteY2"/>
+              </a:cxn>
+              <a:cxn ang="0">
+                <a:pos x="connsiteX3" y="connsiteY3"/>
+              </a:cxn>
+              <a:cxn ang="0">
+                <a:pos x="connsiteX4" y="connsiteY4"/>
+              </a:cxn>
+            </a:cxnLst>
+            <a:rect l="l" t="t" r="r" b="b"/>
+            <a:pathLst>
+              <a:path w="287189" h="400288">
+                <a:moveTo>
+                  <a:pt x="0" y="50008"/>
+                </a:moveTo>
+                <a:lnTo>
+                  <a:pt x="284805" y="0"/>
+                </a:lnTo>
+                <a:cubicBezTo>
+                  <a:pt x="286393" y="104061"/>
+                  <a:pt x="285601" y="289082"/>
+                  <a:pt x="287189" y="393143"/>
+                </a:cubicBezTo>
+                <a:lnTo>
+                  <a:pt x="19051" y="400288"/>
+                </a:lnTo>
+                <a:cubicBezTo>
+                  <a:pt x="17463" y="275590"/>
+                  <a:pt x="1588" y="174706"/>
+                  <a:pt x="0" y="50008"/>
+                </a:cubicBezTo>
+                <a:close/>
+              </a:path>
+            </a:pathLst>
+          </a:custGeom>
+          <a:solidFill>
+            <a:srgbClr val="29A329"/>
+          </a:solidFill>
+        </p:spPr>
+        <p:txBody>
+          <a:bodyPr wrap="square" lIns="0" tIns="0" rIns="0" bIns="0" rtlCol="0">
+            <a:spAutoFit/>
+          </a:bodyPr>
+          <a:lstStyle/>
+          <a:p>
+            <a:endParaRPr lang="en-US" sz="2400" dirty="0">
+              <a:solidFill>
+                <a:schemeClr val="bg1"/>
+              </a:solidFill>
+            </a:endParaRPr>
+          </a:p>
+        </p:txBody>
+      </p:sp>
+      <p:sp>
+        <p:nvSpPr>
+          <p:cNvPr id="71" name="TextBox 70"/>
+          <p:cNvSpPr txBox="1"/>
+          <p:nvPr/>
+        </p:nvSpPr>
+        <p:spPr>
+          <a:xfrm>
+            <a:off x="17269412" y="11033806"/>
+            <a:ext cx="387658" cy="474108"/>
+          </a:xfrm>
+          <a:custGeom>
+            <a:avLst/>
+            <a:gdLst>
+              <a:gd name="connsiteX0" fmla="*/ 0 w 2137418"/>
+              <a:gd name="connsiteY0" fmla="*/ 0 h 369332"/>
+              <a:gd name="connsiteX1" fmla="*/ 2137418 w 2137418"/>
+              <a:gd name="connsiteY1" fmla="*/ 0 h 369332"/>
+              <a:gd name="connsiteX2" fmla="*/ 2137418 w 2137418"/>
+              <a:gd name="connsiteY2" fmla="*/ 369332 h 369332"/>
+              <a:gd name="connsiteX3" fmla="*/ 0 w 2137418"/>
+              <a:gd name="connsiteY3" fmla="*/ 369332 h 369332"/>
+              <a:gd name="connsiteX4" fmla="*/ 0 w 2137418"/>
+              <a:gd name="connsiteY4" fmla="*/ 0 h 369332"/>
+              <a:gd name="connsiteX0" fmla="*/ 0 w 2137418"/>
+              <a:gd name="connsiteY0" fmla="*/ 0 h 431244"/>
+              <a:gd name="connsiteX1" fmla="*/ 2137418 w 2137418"/>
+              <a:gd name="connsiteY1" fmla="*/ 0 h 431244"/>
+              <a:gd name="connsiteX2" fmla="*/ 299093 w 2137418"/>
+              <a:gd name="connsiteY2" fmla="*/ 431244 h 431244"/>
+              <a:gd name="connsiteX3" fmla="*/ 0 w 2137418"/>
+              <a:gd name="connsiteY3" fmla="*/ 369332 h 431244"/>
+              <a:gd name="connsiteX4" fmla="*/ 0 w 2137418"/>
+              <a:gd name="connsiteY4" fmla="*/ 0 h 431244"/>
+              <a:gd name="connsiteX0" fmla="*/ 0 w 313380"/>
+              <a:gd name="connsiteY0" fmla="*/ 0 h 431244"/>
+              <a:gd name="connsiteX1" fmla="*/ 313380 w 313380"/>
+              <a:gd name="connsiteY1" fmla="*/ 85725 h 431244"/>
+              <a:gd name="connsiteX2" fmla="*/ 299093 w 313380"/>
+              <a:gd name="connsiteY2" fmla="*/ 431244 h 431244"/>
+              <a:gd name="connsiteX3" fmla="*/ 0 w 313380"/>
+              <a:gd name="connsiteY3" fmla="*/ 369332 h 431244"/>
+              <a:gd name="connsiteX4" fmla="*/ 0 w 313380"/>
+              <a:gd name="connsiteY4" fmla="*/ 0 h 431244"/>
+              <a:gd name="connsiteX0" fmla="*/ 0 w 299093"/>
+              <a:gd name="connsiteY0" fmla="*/ 0 h 431244"/>
+              <a:gd name="connsiteX1" fmla="*/ 294330 w 299093"/>
+              <a:gd name="connsiteY1" fmla="*/ 119062 h 431244"/>
+              <a:gd name="connsiteX2" fmla="*/ 299093 w 299093"/>
+              <a:gd name="connsiteY2" fmla="*/ 431244 h 431244"/>
+              <a:gd name="connsiteX3" fmla="*/ 0 w 299093"/>
+              <a:gd name="connsiteY3" fmla="*/ 369332 h 431244"/>
+              <a:gd name="connsiteX4" fmla="*/ 0 w 299093"/>
+              <a:gd name="connsiteY4" fmla="*/ 0 h 431244"/>
+              <a:gd name="connsiteX0" fmla="*/ 0 w 318223"/>
+              <a:gd name="connsiteY0" fmla="*/ 0 h 431244"/>
+              <a:gd name="connsiteX1" fmla="*/ 318142 w 318223"/>
+              <a:gd name="connsiteY1" fmla="*/ 123825 h 431244"/>
+              <a:gd name="connsiteX2" fmla="*/ 299093 w 318223"/>
+              <a:gd name="connsiteY2" fmla="*/ 431244 h 431244"/>
+              <a:gd name="connsiteX3" fmla="*/ 0 w 318223"/>
+              <a:gd name="connsiteY3" fmla="*/ 369332 h 431244"/>
+              <a:gd name="connsiteX4" fmla="*/ 0 w 318223"/>
+              <a:gd name="connsiteY4" fmla="*/ 0 h 431244"/>
+              <a:gd name="connsiteX0" fmla="*/ 0 w 346718"/>
+              <a:gd name="connsiteY0" fmla="*/ 0 h 431244"/>
+              <a:gd name="connsiteX1" fmla="*/ 318142 w 346718"/>
+              <a:gd name="connsiteY1" fmla="*/ 123825 h 431244"/>
+              <a:gd name="connsiteX2" fmla="*/ 346718 w 346718"/>
+              <a:gd name="connsiteY2" fmla="*/ 431244 h 431244"/>
+              <a:gd name="connsiteX3" fmla="*/ 0 w 346718"/>
+              <a:gd name="connsiteY3" fmla="*/ 369332 h 431244"/>
+              <a:gd name="connsiteX4" fmla="*/ 0 w 346718"/>
+              <a:gd name="connsiteY4" fmla="*/ 0 h 431244"/>
+              <a:gd name="connsiteX0" fmla="*/ 0 w 346718"/>
+              <a:gd name="connsiteY0" fmla="*/ 0 h 431244"/>
+              <a:gd name="connsiteX1" fmla="*/ 318142 w 346718"/>
+              <a:gd name="connsiteY1" fmla="*/ 123825 h 431244"/>
+              <a:gd name="connsiteX2" fmla="*/ 346718 w 346718"/>
+              <a:gd name="connsiteY2" fmla="*/ 431244 h 431244"/>
+              <a:gd name="connsiteX3" fmla="*/ 19050 w 346718"/>
+              <a:gd name="connsiteY3" fmla="*/ 359807 h 431244"/>
+              <a:gd name="connsiteX4" fmla="*/ 0 w 346718"/>
+              <a:gd name="connsiteY4" fmla="*/ 0 h 431244"/>
+              <a:gd name="connsiteX0" fmla="*/ 42862 w 327668"/>
+              <a:gd name="connsiteY0" fmla="*/ 0 h 416956"/>
+              <a:gd name="connsiteX1" fmla="*/ 299092 w 327668"/>
+              <a:gd name="connsiteY1" fmla="*/ 109537 h 416956"/>
+              <a:gd name="connsiteX2" fmla="*/ 327668 w 327668"/>
+              <a:gd name="connsiteY2" fmla="*/ 416956 h 416956"/>
+              <a:gd name="connsiteX3" fmla="*/ 0 w 327668"/>
+              <a:gd name="connsiteY3" fmla="*/ 345519 h 416956"/>
+              <a:gd name="connsiteX4" fmla="*/ 42862 w 327668"/>
+              <a:gd name="connsiteY4" fmla="*/ 0 h 416956"/>
+              <a:gd name="connsiteX0" fmla="*/ 0 w 332431"/>
+              <a:gd name="connsiteY0" fmla="*/ 0 h 445531"/>
+              <a:gd name="connsiteX1" fmla="*/ 303855 w 332431"/>
+              <a:gd name="connsiteY1" fmla="*/ 138112 h 445531"/>
+              <a:gd name="connsiteX2" fmla="*/ 332431 w 332431"/>
+              <a:gd name="connsiteY2" fmla="*/ 445531 h 445531"/>
+              <a:gd name="connsiteX3" fmla="*/ 4763 w 332431"/>
+              <a:gd name="connsiteY3" fmla="*/ 374094 h 445531"/>
+              <a:gd name="connsiteX4" fmla="*/ 0 w 332431"/>
+              <a:gd name="connsiteY4" fmla="*/ 0 h 445531"/>
+              <a:gd name="connsiteX0" fmla="*/ 0 w 320525"/>
+              <a:gd name="connsiteY0" fmla="*/ 0 h 445531"/>
+              <a:gd name="connsiteX1" fmla="*/ 303855 w 320525"/>
+              <a:gd name="connsiteY1" fmla="*/ 138112 h 445531"/>
+              <a:gd name="connsiteX2" fmla="*/ 320525 w 320525"/>
+              <a:gd name="connsiteY2" fmla="*/ 445531 h 445531"/>
+              <a:gd name="connsiteX3" fmla="*/ 4763 w 320525"/>
+              <a:gd name="connsiteY3" fmla="*/ 374094 h 445531"/>
+              <a:gd name="connsiteX4" fmla="*/ 0 w 320525"/>
+              <a:gd name="connsiteY4" fmla="*/ 0 h 445531"/>
+              <a:gd name="connsiteX0" fmla="*/ 0 w 320981"/>
+              <a:gd name="connsiteY0" fmla="*/ 0 h 445531"/>
+              <a:gd name="connsiteX1" fmla="*/ 320523 w 320981"/>
+              <a:gd name="connsiteY1" fmla="*/ 176212 h 445531"/>
+              <a:gd name="connsiteX2" fmla="*/ 320525 w 320981"/>
+              <a:gd name="connsiteY2" fmla="*/ 445531 h 445531"/>
+              <a:gd name="connsiteX3" fmla="*/ 4763 w 320981"/>
+              <a:gd name="connsiteY3" fmla="*/ 374094 h 445531"/>
+              <a:gd name="connsiteX4" fmla="*/ 0 w 320981"/>
+              <a:gd name="connsiteY4" fmla="*/ 0 h 445531"/>
+              <a:gd name="connsiteX0" fmla="*/ 0 w 325497"/>
+              <a:gd name="connsiteY0" fmla="*/ 0 h 445531"/>
+              <a:gd name="connsiteX1" fmla="*/ 325286 w 325497"/>
+              <a:gd name="connsiteY1" fmla="*/ 159543 h 445531"/>
+              <a:gd name="connsiteX2" fmla="*/ 320525 w 325497"/>
+              <a:gd name="connsiteY2" fmla="*/ 445531 h 445531"/>
+              <a:gd name="connsiteX3" fmla="*/ 4763 w 325497"/>
+              <a:gd name="connsiteY3" fmla="*/ 374094 h 445531"/>
+              <a:gd name="connsiteX4" fmla="*/ 0 w 325497"/>
+              <a:gd name="connsiteY4" fmla="*/ 0 h 445531"/>
+              <a:gd name="connsiteX0" fmla="*/ 0 w 325497"/>
+              <a:gd name="connsiteY0" fmla="*/ 0 h 445531"/>
+              <a:gd name="connsiteX1" fmla="*/ 325286 w 325497"/>
+              <a:gd name="connsiteY1" fmla="*/ 157161 h 445531"/>
+              <a:gd name="connsiteX2" fmla="*/ 320525 w 325497"/>
+              <a:gd name="connsiteY2" fmla="*/ 445531 h 445531"/>
+              <a:gd name="connsiteX3" fmla="*/ 4763 w 325497"/>
+              <a:gd name="connsiteY3" fmla="*/ 374094 h 445531"/>
+              <a:gd name="connsiteX4" fmla="*/ 0 w 325497"/>
+              <a:gd name="connsiteY4" fmla="*/ 0 h 445531"/>
+              <a:gd name="connsiteX0" fmla="*/ 0 w 325497"/>
+              <a:gd name="connsiteY0" fmla="*/ 0 h 450293"/>
+              <a:gd name="connsiteX1" fmla="*/ 325286 w 325497"/>
+              <a:gd name="connsiteY1" fmla="*/ 157161 h 450293"/>
+              <a:gd name="connsiteX2" fmla="*/ 320525 w 325497"/>
+              <a:gd name="connsiteY2" fmla="*/ 450293 h 450293"/>
+              <a:gd name="connsiteX3" fmla="*/ 4763 w 325497"/>
+              <a:gd name="connsiteY3" fmla="*/ 374094 h 450293"/>
+              <a:gd name="connsiteX4" fmla="*/ 0 w 325497"/>
+              <a:gd name="connsiteY4" fmla="*/ 0 h 450293"/>
+              <a:gd name="connsiteX0" fmla="*/ 0 w 325497"/>
+              <a:gd name="connsiteY0" fmla="*/ 0 h 452675"/>
+              <a:gd name="connsiteX1" fmla="*/ 325286 w 325497"/>
+              <a:gd name="connsiteY1" fmla="*/ 159543 h 452675"/>
+              <a:gd name="connsiteX2" fmla="*/ 320525 w 325497"/>
+              <a:gd name="connsiteY2" fmla="*/ 452675 h 452675"/>
+              <a:gd name="connsiteX3" fmla="*/ 4763 w 325497"/>
+              <a:gd name="connsiteY3" fmla="*/ 376476 h 452675"/>
+              <a:gd name="connsiteX4" fmla="*/ 0 w 325497"/>
+              <a:gd name="connsiteY4" fmla="*/ 0 h 452675"/>
+              <a:gd name="connsiteX0" fmla="*/ 0 w 365805"/>
+              <a:gd name="connsiteY0" fmla="*/ 38101 h 490776"/>
+              <a:gd name="connsiteX1" fmla="*/ 365767 w 365805"/>
+              <a:gd name="connsiteY1" fmla="*/ 0 h 490776"/>
+              <a:gd name="connsiteX2" fmla="*/ 320525 w 365805"/>
+              <a:gd name="connsiteY2" fmla="*/ 490776 h 490776"/>
+              <a:gd name="connsiteX3" fmla="*/ 4763 w 365805"/>
+              <a:gd name="connsiteY3" fmla="*/ 414577 h 490776"/>
+              <a:gd name="connsiteX4" fmla="*/ 0 w 365805"/>
+              <a:gd name="connsiteY4" fmla="*/ 38101 h 490776"/>
+              <a:gd name="connsiteX0" fmla="*/ 0 w 368150"/>
+              <a:gd name="connsiteY0" fmla="*/ 38101 h 414577"/>
+              <a:gd name="connsiteX1" fmla="*/ 365767 w 368150"/>
+              <a:gd name="connsiteY1" fmla="*/ 0 h 414577"/>
+              <a:gd name="connsiteX2" fmla="*/ 368150 w 368150"/>
+              <a:gd name="connsiteY2" fmla="*/ 343139 h 414577"/>
+              <a:gd name="connsiteX3" fmla="*/ 4763 w 368150"/>
+              <a:gd name="connsiteY3" fmla="*/ 414577 h 414577"/>
+              <a:gd name="connsiteX4" fmla="*/ 0 w 368150"/>
+              <a:gd name="connsiteY4" fmla="*/ 38101 h 414577"/>
+              <a:gd name="connsiteX0" fmla="*/ 0 w 368150"/>
+              <a:gd name="connsiteY0" fmla="*/ 38101 h 414577"/>
+              <a:gd name="connsiteX1" fmla="*/ 365767 w 368150"/>
+              <a:gd name="connsiteY1" fmla="*/ 0 h 414577"/>
+              <a:gd name="connsiteX2" fmla="*/ 368150 w 368150"/>
+              <a:gd name="connsiteY2" fmla="*/ 359807 h 414577"/>
+              <a:gd name="connsiteX3" fmla="*/ 4763 w 368150"/>
+              <a:gd name="connsiteY3" fmla="*/ 414577 h 414577"/>
+              <a:gd name="connsiteX4" fmla="*/ 0 w 368150"/>
+              <a:gd name="connsiteY4" fmla="*/ 38101 h 414577"/>
+              <a:gd name="connsiteX0" fmla="*/ 21504 w 389654"/>
+              <a:gd name="connsiteY0" fmla="*/ 38101 h 443152"/>
+              <a:gd name="connsiteX1" fmla="*/ 387271 w 389654"/>
+              <a:gd name="connsiteY1" fmla="*/ 0 h 443152"/>
+              <a:gd name="connsiteX2" fmla="*/ 389654 w 389654"/>
+              <a:gd name="connsiteY2" fmla="*/ 359807 h 443152"/>
+              <a:gd name="connsiteX3" fmla="*/ 73 w 389654"/>
+              <a:gd name="connsiteY3" fmla="*/ 443152 h 443152"/>
+              <a:gd name="connsiteX4" fmla="*/ 21504 w 389654"/>
+              <a:gd name="connsiteY4" fmla="*/ 38101 h 443152"/>
+              <a:gd name="connsiteX0" fmla="*/ 0 w 391963"/>
+              <a:gd name="connsiteY0" fmla="*/ 145258 h 443152"/>
+              <a:gd name="connsiteX1" fmla="*/ 389580 w 391963"/>
+              <a:gd name="connsiteY1" fmla="*/ 0 h 443152"/>
+              <a:gd name="connsiteX2" fmla="*/ 391963 w 391963"/>
+              <a:gd name="connsiteY2" fmla="*/ 359807 h 443152"/>
+              <a:gd name="connsiteX3" fmla="*/ 2382 w 391963"/>
+              <a:gd name="connsiteY3" fmla="*/ 443152 h 443152"/>
+              <a:gd name="connsiteX4" fmla="*/ 0 w 391963"/>
+              <a:gd name="connsiteY4" fmla="*/ 145258 h 443152"/>
+              <a:gd name="connsiteX0" fmla="*/ 4974 w 389793"/>
+              <a:gd name="connsiteY0" fmla="*/ 142876 h 443152"/>
+              <a:gd name="connsiteX1" fmla="*/ 387410 w 389793"/>
+              <a:gd name="connsiteY1" fmla="*/ 0 h 443152"/>
+              <a:gd name="connsiteX2" fmla="*/ 389793 w 389793"/>
+              <a:gd name="connsiteY2" fmla="*/ 359807 h 443152"/>
+              <a:gd name="connsiteX3" fmla="*/ 212 w 389793"/>
+              <a:gd name="connsiteY3" fmla="*/ 443152 h 443152"/>
+              <a:gd name="connsiteX4" fmla="*/ 4974 w 389793"/>
+              <a:gd name="connsiteY4" fmla="*/ 142876 h 443152"/>
+              <a:gd name="connsiteX0" fmla="*/ 4974 w 389793"/>
+              <a:gd name="connsiteY0" fmla="*/ 157164 h 443152"/>
+              <a:gd name="connsiteX1" fmla="*/ 387410 w 389793"/>
+              <a:gd name="connsiteY1" fmla="*/ 0 h 443152"/>
+              <a:gd name="connsiteX2" fmla="*/ 389793 w 389793"/>
+              <a:gd name="connsiteY2" fmla="*/ 359807 h 443152"/>
+              <a:gd name="connsiteX3" fmla="*/ 212 w 389793"/>
+              <a:gd name="connsiteY3" fmla="*/ 443152 h 443152"/>
+              <a:gd name="connsiteX4" fmla="*/ 4974 w 389793"/>
+              <a:gd name="connsiteY4" fmla="*/ 157164 h 443152"/>
+              <a:gd name="connsiteX0" fmla="*/ 457 w 390039"/>
+              <a:gd name="connsiteY0" fmla="*/ 150020 h 443152"/>
+              <a:gd name="connsiteX1" fmla="*/ 387656 w 390039"/>
+              <a:gd name="connsiteY1" fmla="*/ 0 h 443152"/>
+              <a:gd name="connsiteX2" fmla="*/ 390039 w 390039"/>
+              <a:gd name="connsiteY2" fmla="*/ 359807 h 443152"/>
+              <a:gd name="connsiteX3" fmla="*/ 458 w 390039"/>
+              <a:gd name="connsiteY3" fmla="*/ 443152 h 443152"/>
+              <a:gd name="connsiteX4" fmla="*/ 457 w 390039"/>
+              <a:gd name="connsiteY4" fmla="*/ 150020 h 443152"/>
+              <a:gd name="connsiteX0" fmla="*/ 457 w 390039"/>
+              <a:gd name="connsiteY0" fmla="*/ 150020 h 443152"/>
+              <a:gd name="connsiteX1" fmla="*/ 387656 w 390039"/>
+              <a:gd name="connsiteY1" fmla="*/ 0 h 443152"/>
+              <a:gd name="connsiteX2" fmla="*/ 390039 w 390039"/>
+              <a:gd name="connsiteY2" fmla="*/ 352663 h 443152"/>
+              <a:gd name="connsiteX3" fmla="*/ 458 w 390039"/>
+              <a:gd name="connsiteY3" fmla="*/ 443152 h 443152"/>
+              <a:gd name="connsiteX4" fmla="*/ 457 w 390039"/>
+              <a:gd name="connsiteY4" fmla="*/ 150020 h 443152"/>
+              <a:gd name="connsiteX0" fmla="*/ 457 w 388114"/>
+              <a:gd name="connsiteY0" fmla="*/ 150020 h 443152"/>
+              <a:gd name="connsiteX1" fmla="*/ 387656 w 388114"/>
+              <a:gd name="connsiteY1" fmla="*/ 0 h 443152"/>
+              <a:gd name="connsiteX2" fmla="*/ 387658 w 388114"/>
+              <a:gd name="connsiteY2" fmla="*/ 345520 h 443152"/>
+              <a:gd name="connsiteX3" fmla="*/ 458 w 388114"/>
+              <a:gd name="connsiteY3" fmla="*/ 443152 h 443152"/>
+              <a:gd name="connsiteX4" fmla="*/ 457 w 388114"/>
+              <a:gd name="connsiteY4" fmla="*/ 150020 h 443152"/>
+              <a:gd name="connsiteX0" fmla="*/ 457 w 388114"/>
+              <a:gd name="connsiteY0" fmla="*/ 150020 h 443152"/>
+              <a:gd name="connsiteX1" fmla="*/ 387656 w 388114"/>
+              <a:gd name="connsiteY1" fmla="*/ 0 h 443152"/>
+              <a:gd name="connsiteX2" fmla="*/ 387658 w 388114"/>
+              <a:gd name="connsiteY2" fmla="*/ 347901 h 443152"/>
+              <a:gd name="connsiteX3" fmla="*/ 458 w 388114"/>
+              <a:gd name="connsiteY3" fmla="*/ 443152 h 443152"/>
+              <a:gd name="connsiteX4" fmla="*/ 457 w 388114"/>
+              <a:gd name="connsiteY4" fmla="*/ 150020 h 443152"/>
+              <a:gd name="connsiteX0" fmla="*/ 457 w 388114"/>
+              <a:gd name="connsiteY0" fmla="*/ 150020 h 443152"/>
+              <a:gd name="connsiteX1" fmla="*/ 387656 w 388114"/>
+              <a:gd name="connsiteY1" fmla="*/ 0 h 443152"/>
+              <a:gd name="connsiteX2" fmla="*/ 387658 w 388114"/>
+              <a:gd name="connsiteY2" fmla="*/ 352663 h 443152"/>
+              <a:gd name="connsiteX3" fmla="*/ 458 w 388114"/>
+              <a:gd name="connsiteY3" fmla="*/ 443152 h 443152"/>
+              <a:gd name="connsiteX4" fmla="*/ 457 w 388114"/>
+              <a:gd name="connsiteY4" fmla="*/ 150020 h 443152"/>
+              <a:gd name="connsiteX0" fmla="*/ 457 w 387658"/>
+              <a:gd name="connsiteY0" fmla="*/ 176214 h 469346"/>
+              <a:gd name="connsiteX1" fmla="*/ 382894 w 387658"/>
+              <a:gd name="connsiteY1" fmla="*/ 0 h 469346"/>
+              <a:gd name="connsiteX2" fmla="*/ 387658 w 387658"/>
+              <a:gd name="connsiteY2" fmla="*/ 378857 h 469346"/>
+              <a:gd name="connsiteX3" fmla="*/ 458 w 387658"/>
+              <a:gd name="connsiteY3" fmla="*/ 469346 h 469346"/>
+              <a:gd name="connsiteX4" fmla="*/ 457 w 387658"/>
+              <a:gd name="connsiteY4" fmla="*/ 176214 h 469346"/>
+              <a:gd name="connsiteX0" fmla="*/ 457 w 387658"/>
+              <a:gd name="connsiteY0" fmla="*/ 176214 h 471727"/>
+              <a:gd name="connsiteX1" fmla="*/ 382894 w 387658"/>
+              <a:gd name="connsiteY1" fmla="*/ 0 h 471727"/>
+              <a:gd name="connsiteX2" fmla="*/ 387658 w 387658"/>
+              <a:gd name="connsiteY2" fmla="*/ 378857 h 471727"/>
+              <a:gd name="connsiteX3" fmla="*/ 458 w 387658"/>
+              <a:gd name="connsiteY3" fmla="*/ 471727 h 471727"/>
+              <a:gd name="connsiteX4" fmla="*/ 457 w 387658"/>
+              <a:gd name="connsiteY4" fmla="*/ 176214 h 471727"/>
+              <a:gd name="connsiteX0" fmla="*/ 457 w 387658"/>
+              <a:gd name="connsiteY0" fmla="*/ 176214 h 471727"/>
+              <a:gd name="connsiteX1" fmla="*/ 382894 w 387658"/>
+              <a:gd name="connsiteY1" fmla="*/ 0 h 471727"/>
+              <a:gd name="connsiteX2" fmla="*/ 387658 w 387658"/>
+              <a:gd name="connsiteY2" fmla="*/ 378857 h 471727"/>
+              <a:gd name="connsiteX3" fmla="*/ 458 w 387658"/>
+              <a:gd name="connsiteY3" fmla="*/ 471727 h 471727"/>
+              <a:gd name="connsiteX4" fmla="*/ 457 w 387658"/>
+              <a:gd name="connsiteY4" fmla="*/ 176214 h 471727"/>
+              <a:gd name="connsiteX0" fmla="*/ 457 w 387658"/>
+              <a:gd name="connsiteY0" fmla="*/ 176214 h 471727"/>
+              <a:gd name="connsiteX1" fmla="*/ 382894 w 387658"/>
+              <a:gd name="connsiteY1" fmla="*/ 0 h 471727"/>
+              <a:gd name="connsiteX2" fmla="*/ 387658 w 387658"/>
+              <a:gd name="connsiteY2" fmla="*/ 376476 h 471727"/>
+              <a:gd name="connsiteX3" fmla="*/ 458 w 387658"/>
+              <a:gd name="connsiteY3" fmla="*/ 471727 h 471727"/>
+              <a:gd name="connsiteX4" fmla="*/ 457 w 387658"/>
+              <a:gd name="connsiteY4" fmla="*/ 176214 h 471727"/>
+              <a:gd name="connsiteX0" fmla="*/ 457 w 387658"/>
+              <a:gd name="connsiteY0" fmla="*/ 178595 h 474108"/>
+              <a:gd name="connsiteX1" fmla="*/ 382894 w 387658"/>
+              <a:gd name="connsiteY1" fmla="*/ 0 h 474108"/>
+              <a:gd name="connsiteX2" fmla="*/ 387658 w 387658"/>
+              <a:gd name="connsiteY2" fmla="*/ 378857 h 474108"/>
+              <a:gd name="connsiteX3" fmla="*/ 458 w 387658"/>
+              <a:gd name="connsiteY3" fmla="*/ 474108 h 474108"/>
+              <a:gd name="connsiteX4" fmla="*/ 457 w 387658"/>
+              <a:gd name="connsiteY4" fmla="*/ 178595 h 474108"/>
+            </a:gdLst>
+            <a:ahLst/>
+            <a:cxnLst>
+              <a:cxn ang="0">
+                <a:pos x="connsiteX0" y="connsiteY0"/>
+              </a:cxn>
+              <a:cxn ang="0">
+                <a:pos x="connsiteX1" y="connsiteY1"/>
+              </a:cxn>
+              <a:cxn ang="0">
+                <a:pos x="connsiteX2" y="connsiteY2"/>
+              </a:cxn>
+              <a:cxn ang="0">
+                <a:pos x="connsiteX3" y="connsiteY3"/>
+              </a:cxn>
+              <a:cxn ang="0">
+                <a:pos x="connsiteX4" y="connsiteY4"/>
+              </a:cxn>
+            </a:cxnLst>
+            <a:rect l="l" t="t" r="r" b="b"/>
+            <a:pathLst>
+              <a:path w="387658" h="474108">
+                <a:moveTo>
+                  <a:pt x="457" y="178595"/>
+                </a:moveTo>
+                <a:lnTo>
+                  <a:pt x="382894" y="0"/>
+                </a:lnTo>
+                <a:cubicBezTo>
+                  <a:pt x="384482" y="104061"/>
+                  <a:pt x="386070" y="274796"/>
+                  <a:pt x="387658" y="378857"/>
+                </a:cubicBezTo>
+                <a:lnTo>
+                  <a:pt x="458" y="474108"/>
+                </a:lnTo>
+                <a:cubicBezTo>
+                  <a:pt x="-1130" y="349410"/>
+                  <a:pt x="2045" y="303293"/>
+                  <a:pt x="457" y="178595"/>
+                </a:cubicBezTo>
+                <a:close/>
+              </a:path>
+            </a:pathLst>
+          </a:custGeom>
+          <a:solidFill>
+            <a:srgbClr val="0088B8"/>
+          </a:solidFill>
+        </p:spPr>
+        <p:txBody>
+          <a:bodyPr wrap="square" lIns="0" tIns="0" rIns="0" bIns="0" rtlCol="0">
+            <a:spAutoFit/>
+          </a:bodyPr>
+          <a:lstStyle/>
+          <a:p>
+            <a:endParaRPr lang="en-US" sz="2400" dirty="0">
+              <a:solidFill>
+                <a:schemeClr val="bg1"/>
+              </a:solidFill>
+            </a:endParaRPr>
+          </a:p>
+        </p:txBody>
+      </p:sp>
+      <p:sp>
+        <p:nvSpPr>
+          <p:cNvPr id="68" name="TextBox 67"/>
+          <p:cNvSpPr txBox="1"/>
+          <p:nvPr/>
+        </p:nvSpPr>
+        <p:spPr>
+          <a:xfrm>
+            <a:off x="3717688" y="11406141"/>
+            <a:ext cx="296828" cy="393143"/>
+          </a:xfrm>
+          <a:custGeom>
+            <a:avLst/>
+            <a:gdLst>
+              <a:gd name="connsiteX0" fmla="*/ 0 w 2137418"/>
+              <a:gd name="connsiteY0" fmla="*/ 0 h 369332"/>
+              <a:gd name="connsiteX1" fmla="*/ 2137418 w 2137418"/>
+              <a:gd name="connsiteY1" fmla="*/ 0 h 369332"/>
+              <a:gd name="connsiteX2" fmla="*/ 2137418 w 2137418"/>
+              <a:gd name="connsiteY2" fmla="*/ 369332 h 369332"/>
+              <a:gd name="connsiteX3" fmla="*/ 0 w 2137418"/>
+              <a:gd name="connsiteY3" fmla="*/ 369332 h 369332"/>
+              <a:gd name="connsiteX4" fmla="*/ 0 w 2137418"/>
+              <a:gd name="connsiteY4" fmla="*/ 0 h 369332"/>
+              <a:gd name="connsiteX0" fmla="*/ 0 w 2137418"/>
+              <a:gd name="connsiteY0" fmla="*/ 0 h 431244"/>
+              <a:gd name="connsiteX1" fmla="*/ 2137418 w 2137418"/>
+              <a:gd name="connsiteY1" fmla="*/ 0 h 431244"/>
+              <a:gd name="connsiteX2" fmla="*/ 299093 w 2137418"/>
+              <a:gd name="connsiteY2" fmla="*/ 431244 h 431244"/>
+              <a:gd name="connsiteX3" fmla="*/ 0 w 2137418"/>
+              <a:gd name="connsiteY3" fmla="*/ 369332 h 431244"/>
+              <a:gd name="connsiteX4" fmla="*/ 0 w 2137418"/>
+              <a:gd name="connsiteY4" fmla="*/ 0 h 431244"/>
+              <a:gd name="connsiteX0" fmla="*/ 0 w 313380"/>
+              <a:gd name="connsiteY0" fmla="*/ 0 h 431244"/>
+              <a:gd name="connsiteX1" fmla="*/ 313380 w 313380"/>
+              <a:gd name="connsiteY1" fmla="*/ 85725 h 431244"/>
+              <a:gd name="connsiteX2" fmla="*/ 299093 w 313380"/>
+              <a:gd name="connsiteY2" fmla="*/ 431244 h 431244"/>
+              <a:gd name="connsiteX3" fmla="*/ 0 w 313380"/>
+              <a:gd name="connsiteY3" fmla="*/ 369332 h 431244"/>
+              <a:gd name="connsiteX4" fmla="*/ 0 w 313380"/>
+              <a:gd name="connsiteY4" fmla="*/ 0 h 431244"/>
+              <a:gd name="connsiteX0" fmla="*/ 0 w 299093"/>
+              <a:gd name="connsiteY0" fmla="*/ 0 h 431244"/>
+              <a:gd name="connsiteX1" fmla="*/ 294330 w 299093"/>
+              <a:gd name="connsiteY1" fmla="*/ 119062 h 431244"/>
+              <a:gd name="connsiteX2" fmla="*/ 299093 w 299093"/>
+              <a:gd name="connsiteY2" fmla="*/ 431244 h 431244"/>
+              <a:gd name="connsiteX3" fmla="*/ 0 w 299093"/>
+              <a:gd name="connsiteY3" fmla="*/ 369332 h 431244"/>
+              <a:gd name="connsiteX4" fmla="*/ 0 w 299093"/>
+              <a:gd name="connsiteY4" fmla="*/ 0 h 431244"/>
+              <a:gd name="connsiteX0" fmla="*/ 0 w 318223"/>
+              <a:gd name="connsiteY0" fmla="*/ 0 h 431244"/>
+              <a:gd name="connsiteX1" fmla="*/ 318142 w 318223"/>
+              <a:gd name="connsiteY1" fmla="*/ 123825 h 431244"/>
+              <a:gd name="connsiteX2" fmla="*/ 299093 w 318223"/>
+              <a:gd name="connsiteY2" fmla="*/ 431244 h 431244"/>
+              <a:gd name="connsiteX3" fmla="*/ 0 w 318223"/>
+              <a:gd name="connsiteY3" fmla="*/ 369332 h 431244"/>
+              <a:gd name="connsiteX4" fmla="*/ 0 w 318223"/>
+              <a:gd name="connsiteY4" fmla="*/ 0 h 431244"/>
+              <a:gd name="connsiteX0" fmla="*/ 0 w 346718"/>
+              <a:gd name="connsiteY0" fmla="*/ 0 h 431244"/>
+              <a:gd name="connsiteX1" fmla="*/ 318142 w 346718"/>
+              <a:gd name="connsiteY1" fmla="*/ 123825 h 431244"/>
+              <a:gd name="connsiteX2" fmla="*/ 346718 w 346718"/>
+              <a:gd name="connsiteY2" fmla="*/ 431244 h 431244"/>
+              <a:gd name="connsiteX3" fmla="*/ 0 w 346718"/>
+              <a:gd name="connsiteY3" fmla="*/ 369332 h 431244"/>
+              <a:gd name="connsiteX4" fmla="*/ 0 w 346718"/>
+              <a:gd name="connsiteY4" fmla="*/ 0 h 431244"/>
+              <a:gd name="connsiteX0" fmla="*/ 0 w 346718"/>
+              <a:gd name="connsiteY0" fmla="*/ 0 h 431244"/>
+              <a:gd name="connsiteX1" fmla="*/ 318142 w 346718"/>
+              <a:gd name="connsiteY1" fmla="*/ 123825 h 431244"/>
+              <a:gd name="connsiteX2" fmla="*/ 346718 w 346718"/>
+              <a:gd name="connsiteY2" fmla="*/ 431244 h 431244"/>
+              <a:gd name="connsiteX3" fmla="*/ 19050 w 346718"/>
+              <a:gd name="connsiteY3" fmla="*/ 359807 h 431244"/>
+              <a:gd name="connsiteX4" fmla="*/ 0 w 346718"/>
+              <a:gd name="connsiteY4" fmla="*/ 0 h 431244"/>
+              <a:gd name="connsiteX0" fmla="*/ 42862 w 327668"/>
+              <a:gd name="connsiteY0" fmla="*/ 0 h 416956"/>
+              <a:gd name="connsiteX1" fmla="*/ 299092 w 327668"/>
+              <a:gd name="connsiteY1" fmla="*/ 109537 h 416956"/>
+              <a:gd name="connsiteX2" fmla="*/ 327668 w 327668"/>
+              <a:gd name="connsiteY2" fmla="*/ 416956 h 416956"/>
+              <a:gd name="connsiteX3" fmla="*/ 0 w 327668"/>
+              <a:gd name="connsiteY3" fmla="*/ 345519 h 416956"/>
+              <a:gd name="connsiteX4" fmla="*/ 42862 w 327668"/>
+              <a:gd name="connsiteY4" fmla="*/ 0 h 416956"/>
+              <a:gd name="connsiteX0" fmla="*/ 0 w 332431"/>
+              <a:gd name="connsiteY0" fmla="*/ 0 h 445531"/>
+              <a:gd name="connsiteX1" fmla="*/ 303855 w 332431"/>
+              <a:gd name="connsiteY1" fmla="*/ 138112 h 445531"/>
+              <a:gd name="connsiteX2" fmla="*/ 332431 w 332431"/>
+              <a:gd name="connsiteY2" fmla="*/ 445531 h 445531"/>
+              <a:gd name="connsiteX3" fmla="*/ 4763 w 332431"/>
+              <a:gd name="connsiteY3" fmla="*/ 374094 h 445531"/>
+              <a:gd name="connsiteX4" fmla="*/ 0 w 332431"/>
+              <a:gd name="connsiteY4" fmla="*/ 0 h 445531"/>
+              <a:gd name="connsiteX0" fmla="*/ 0 w 320525"/>
+              <a:gd name="connsiteY0" fmla="*/ 0 h 445531"/>
+              <a:gd name="connsiteX1" fmla="*/ 303855 w 320525"/>
+              <a:gd name="connsiteY1" fmla="*/ 138112 h 445531"/>
+              <a:gd name="connsiteX2" fmla="*/ 320525 w 320525"/>
+              <a:gd name="connsiteY2" fmla="*/ 445531 h 445531"/>
+              <a:gd name="connsiteX3" fmla="*/ 4763 w 320525"/>
+              <a:gd name="connsiteY3" fmla="*/ 374094 h 445531"/>
+              <a:gd name="connsiteX4" fmla="*/ 0 w 320525"/>
+              <a:gd name="connsiteY4" fmla="*/ 0 h 445531"/>
+              <a:gd name="connsiteX0" fmla="*/ 0 w 320981"/>
+              <a:gd name="connsiteY0" fmla="*/ 0 h 445531"/>
+              <a:gd name="connsiteX1" fmla="*/ 320523 w 320981"/>
+              <a:gd name="connsiteY1" fmla="*/ 176212 h 445531"/>
+              <a:gd name="connsiteX2" fmla="*/ 320525 w 320981"/>
+              <a:gd name="connsiteY2" fmla="*/ 445531 h 445531"/>
+              <a:gd name="connsiteX3" fmla="*/ 4763 w 320981"/>
+              <a:gd name="connsiteY3" fmla="*/ 374094 h 445531"/>
+              <a:gd name="connsiteX4" fmla="*/ 0 w 320981"/>
+              <a:gd name="connsiteY4" fmla="*/ 0 h 445531"/>
+              <a:gd name="connsiteX0" fmla="*/ 0 w 325497"/>
+              <a:gd name="connsiteY0" fmla="*/ 0 h 445531"/>
+              <a:gd name="connsiteX1" fmla="*/ 325286 w 325497"/>
+              <a:gd name="connsiteY1" fmla="*/ 159543 h 445531"/>
+              <a:gd name="connsiteX2" fmla="*/ 320525 w 325497"/>
+              <a:gd name="connsiteY2" fmla="*/ 445531 h 445531"/>
+              <a:gd name="connsiteX3" fmla="*/ 4763 w 325497"/>
+              <a:gd name="connsiteY3" fmla="*/ 374094 h 445531"/>
+              <a:gd name="connsiteX4" fmla="*/ 0 w 325497"/>
+              <a:gd name="connsiteY4" fmla="*/ 0 h 445531"/>
+              <a:gd name="connsiteX0" fmla="*/ 0 w 325497"/>
+              <a:gd name="connsiteY0" fmla="*/ 0 h 445531"/>
+              <a:gd name="connsiteX1" fmla="*/ 325286 w 325497"/>
+              <a:gd name="connsiteY1" fmla="*/ 157161 h 445531"/>
+              <a:gd name="connsiteX2" fmla="*/ 320525 w 325497"/>
+              <a:gd name="connsiteY2" fmla="*/ 445531 h 445531"/>
+              <a:gd name="connsiteX3" fmla="*/ 4763 w 325497"/>
+              <a:gd name="connsiteY3" fmla="*/ 374094 h 445531"/>
+              <a:gd name="connsiteX4" fmla="*/ 0 w 325497"/>
+              <a:gd name="connsiteY4" fmla="*/ 0 h 445531"/>
+              <a:gd name="connsiteX0" fmla="*/ 0 w 325497"/>
+              <a:gd name="connsiteY0" fmla="*/ 0 h 450293"/>
+              <a:gd name="connsiteX1" fmla="*/ 325286 w 325497"/>
+              <a:gd name="connsiteY1" fmla="*/ 157161 h 450293"/>
+              <a:gd name="connsiteX2" fmla="*/ 320525 w 325497"/>
+              <a:gd name="connsiteY2" fmla="*/ 450293 h 450293"/>
+              <a:gd name="connsiteX3" fmla="*/ 4763 w 325497"/>
+              <a:gd name="connsiteY3" fmla="*/ 374094 h 450293"/>
+              <a:gd name="connsiteX4" fmla="*/ 0 w 325497"/>
+              <a:gd name="connsiteY4" fmla="*/ 0 h 450293"/>
+              <a:gd name="connsiteX0" fmla="*/ 0 w 325497"/>
+              <a:gd name="connsiteY0" fmla="*/ 0 h 452675"/>
+              <a:gd name="connsiteX1" fmla="*/ 325286 w 325497"/>
+              <a:gd name="connsiteY1" fmla="*/ 159543 h 452675"/>
+              <a:gd name="connsiteX2" fmla="*/ 320525 w 325497"/>
+              <a:gd name="connsiteY2" fmla="*/ 452675 h 452675"/>
+              <a:gd name="connsiteX3" fmla="*/ 4763 w 325497"/>
+              <a:gd name="connsiteY3" fmla="*/ 376476 h 452675"/>
+              <a:gd name="connsiteX4" fmla="*/ 0 w 325497"/>
+              <a:gd name="connsiteY4" fmla="*/ 0 h 452675"/>
+              <a:gd name="connsiteX0" fmla="*/ 0 w 320525"/>
+              <a:gd name="connsiteY0" fmla="*/ 0 h 452675"/>
+              <a:gd name="connsiteX1" fmla="*/ 280043 w 320525"/>
+              <a:gd name="connsiteY1" fmla="*/ 80962 h 452675"/>
+              <a:gd name="connsiteX2" fmla="*/ 320525 w 320525"/>
+              <a:gd name="connsiteY2" fmla="*/ 452675 h 452675"/>
+              <a:gd name="connsiteX3" fmla="*/ 4763 w 320525"/>
+              <a:gd name="connsiteY3" fmla="*/ 376476 h 452675"/>
+              <a:gd name="connsiteX4" fmla="*/ 0 w 320525"/>
+              <a:gd name="connsiteY4" fmla="*/ 0 h 452675"/>
+              <a:gd name="connsiteX0" fmla="*/ 0 w 280133"/>
+              <a:gd name="connsiteY0" fmla="*/ 0 h 376476"/>
+              <a:gd name="connsiteX1" fmla="*/ 280043 w 280133"/>
+              <a:gd name="connsiteY1" fmla="*/ 80962 h 376476"/>
+              <a:gd name="connsiteX2" fmla="*/ 263375 w 280133"/>
+              <a:gd name="connsiteY2" fmla="*/ 359806 h 376476"/>
+              <a:gd name="connsiteX3" fmla="*/ 4763 w 280133"/>
+              <a:gd name="connsiteY3" fmla="*/ 376476 h 376476"/>
+              <a:gd name="connsiteX4" fmla="*/ 0 w 280133"/>
+              <a:gd name="connsiteY4" fmla="*/ 0 h 376476"/>
+              <a:gd name="connsiteX0" fmla="*/ 0 w 280145"/>
+              <a:gd name="connsiteY0" fmla="*/ 0 h 376476"/>
+              <a:gd name="connsiteX1" fmla="*/ 280043 w 280145"/>
+              <a:gd name="connsiteY1" fmla="*/ 80962 h 376476"/>
+              <a:gd name="connsiteX2" fmla="*/ 265757 w 280145"/>
+              <a:gd name="connsiteY2" fmla="*/ 374093 h 376476"/>
+              <a:gd name="connsiteX3" fmla="*/ 4763 w 280145"/>
+              <a:gd name="connsiteY3" fmla="*/ 376476 h 376476"/>
+              <a:gd name="connsiteX4" fmla="*/ 0 w 280145"/>
+              <a:gd name="connsiteY4" fmla="*/ 0 h 376476"/>
+              <a:gd name="connsiteX0" fmla="*/ 0 w 280145"/>
+              <a:gd name="connsiteY0" fmla="*/ 0 h 376476"/>
+              <a:gd name="connsiteX1" fmla="*/ 280043 w 280145"/>
+              <a:gd name="connsiteY1" fmla="*/ 80962 h 376476"/>
+              <a:gd name="connsiteX2" fmla="*/ 265757 w 280145"/>
+              <a:gd name="connsiteY2" fmla="*/ 374093 h 376476"/>
+              <a:gd name="connsiteX3" fmla="*/ 21432 w 280145"/>
+              <a:gd name="connsiteY3" fmla="*/ 376476 h 376476"/>
+              <a:gd name="connsiteX4" fmla="*/ 0 w 280145"/>
+              <a:gd name="connsiteY4" fmla="*/ 0 h 376476"/>
+              <a:gd name="connsiteX0" fmla="*/ 0 w 327770"/>
+              <a:gd name="connsiteY0" fmla="*/ 0 h 371713"/>
+              <a:gd name="connsiteX1" fmla="*/ 327668 w 327770"/>
+              <a:gd name="connsiteY1" fmla="*/ 76199 h 371713"/>
+              <a:gd name="connsiteX2" fmla="*/ 313382 w 327770"/>
+              <a:gd name="connsiteY2" fmla="*/ 369330 h 371713"/>
+              <a:gd name="connsiteX3" fmla="*/ 69057 w 327770"/>
+              <a:gd name="connsiteY3" fmla="*/ 371713 h 371713"/>
+              <a:gd name="connsiteX4" fmla="*/ 0 w 327770"/>
+              <a:gd name="connsiteY4" fmla="*/ 0 h 371713"/>
+              <a:gd name="connsiteX0" fmla="*/ 0 w 296813"/>
+              <a:gd name="connsiteY0" fmla="*/ 0 h 366950"/>
+              <a:gd name="connsiteX1" fmla="*/ 296711 w 296813"/>
+              <a:gd name="connsiteY1" fmla="*/ 71436 h 366950"/>
+              <a:gd name="connsiteX2" fmla="*/ 282425 w 296813"/>
+              <a:gd name="connsiteY2" fmla="*/ 364567 h 366950"/>
+              <a:gd name="connsiteX3" fmla="*/ 38100 w 296813"/>
+              <a:gd name="connsiteY3" fmla="*/ 366950 h 366950"/>
+              <a:gd name="connsiteX4" fmla="*/ 0 w 296813"/>
+              <a:gd name="connsiteY4" fmla="*/ 0 h 366950"/>
+              <a:gd name="connsiteX0" fmla="*/ 0 w 294446"/>
+              <a:gd name="connsiteY0" fmla="*/ 0 h 366950"/>
+              <a:gd name="connsiteX1" fmla="*/ 294329 w 294446"/>
+              <a:gd name="connsiteY1" fmla="*/ 64292 h 366950"/>
+              <a:gd name="connsiteX2" fmla="*/ 282425 w 294446"/>
+              <a:gd name="connsiteY2" fmla="*/ 364567 h 366950"/>
+              <a:gd name="connsiteX3" fmla="*/ 38100 w 294446"/>
+              <a:gd name="connsiteY3" fmla="*/ 366950 h 366950"/>
+              <a:gd name="connsiteX4" fmla="*/ 0 w 294446"/>
+              <a:gd name="connsiteY4" fmla="*/ 0 h 366950"/>
+              <a:gd name="connsiteX0" fmla="*/ 0 w 296828"/>
+              <a:gd name="connsiteY0" fmla="*/ 0 h 381237"/>
+              <a:gd name="connsiteX1" fmla="*/ 296711 w 296828"/>
+              <a:gd name="connsiteY1" fmla="*/ 78579 h 381237"/>
+              <a:gd name="connsiteX2" fmla="*/ 284807 w 296828"/>
+              <a:gd name="connsiteY2" fmla="*/ 378854 h 381237"/>
+              <a:gd name="connsiteX3" fmla="*/ 40482 w 296828"/>
+              <a:gd name="connsiteY3" fmla="*/ 381237 h 381237"/>
+              <a:gd name="connsiteX4" fmla="*/ 0 w 296828"/>
+              <a:gd name="connsiteY4" fmla="*/ 0 h 381237"/>
+              <a:gd name="connsiteX0" fmla="*/ 0 w 296828"/>
+              <a:gd name="connsiteY0" fmla="*/ 0 h 383618"/>
+              <a:gd name="connsiteX1" fmla="*/ 296711 w 296828"/>
+              <a:gd name="connsiteY1" fmla="*/ 78579 h 383618"/>
+              <a:gd name="connsiteX2" fmla="*/ 284807 w 296828"/>
+              <a:gd name="connsiteY2" fmla="*/ 378854 h 383618"/>
+              <a:gd name="connsiteX3" fmla="*/ 33339 w 296828"/>
+              <a:gd name="connsiteY3" fmla="*/ 383618 h 383618"/>
+              <a:gd name="connsiteX4" fmla="*/ 0 w 296828"/>
+              <a:gd name="connsiteY4" fmla="*/ 0 h 383618"/>
+              <a:gd name="connsiteX0" fmla="*/ 0 w 296828"/>
+              <a:gd name="connsiteY0" fmla="*/ 0 h 383618"/>
+              <a:gd name="connsiteX1" fmla="*/ 296711 w 296828"/>
+              <a:gd name="connsiteY1" fmla="*/ 66673 h 383618"/>
+              <a:gd name="connsiteX2" fmla="*/ 284807 w 296828"/>
+              <a:gd name="connsiteY2" fmla="*/ 378854 h 383618"/>
+              <a:gd name="connsiteX3" fmla="*/ 33339 w 296828"/>
+              <a:gd name="connsiteY3" fmla="*/ 383618 h 383618"/>
+              <a:gd name="connsiteX4" fmla="*/ 0 w 296828"/>
+              <a:gd name="connsiteY4" fmla="*/ 0 h 383618"/>
+              <a:gd name="connsiteX0" fmla="*/ 0 w 296828"/>
+              <a:gd name="connsiteY0" fmla="*/ 0 h 393143"/>
+              <a:gd name="connsiteX1" fmla="*/ 296711 w 296828"/>
+              <a:gd name="connsiteY1" fmla="*/ 76198 h 393143"/>
+              <a:gd name="connsiteX2" fmla="*/ 284807 w 296828"/>
+              <a:gd name="connsiteY2" fmla="*/ 388379 h 393143"/>
+              <a:gd name="connsiteX3" fmla="*/ 33339 w 296828"/>
+              <a:gd name="connsiteY3" fmla="*/ 393143 h 393143"/>
+              <a:gd name="connsiteX4" fmla="*/ 0 w 296828"/>
+              <a:gd name="connsiteY4" fmla="*/ 0 h 393143"/>
+            </a:gdLst>
+            <a:ahLst/>
+            <a:cxnLst>
+              <a:cxn ang="0">
+                <a:pos x="connsiteX0" y="connsiteY0"/>
+              </a:cxn>
+              <a:cxn ang="0">
+                <a:pos x="connsiteX1" y="connsiteY1"/>
+              </a:cxn>
+              <a:cxn ang="0">
+                <a:pos x="connsiteX2" y="connsiteY2"/>
+              </a:cxn>
+              <a:cxn ang="0">
+                <a:pos x="connsiteX3" y="connsiteY3"/>
+              </a:cxn>
+              <a:cxn ang="0">
+                <a:pos x="connsiteX4" y="connsiteY4"/>
+              </a:cxn>
+            </a:cxnLst>
+            <a:rect l="l" t="t" r="r" b="b"/>
+            <a:pathLst>
+              <a:path w="296828" h="393143">
+                <a:moveTo>
+                  <a:pt x="0" y="0"/>
+                </a:moveTo>
+                <a:lnTo>
+                  <a:pt x="296711" y="76198"/>
+                </a:lnTo>
+                <a:cubicBezTo>
+                  <a:pt x="298299" y="180259"/>
+                  <a:pt x="283219" y="284318"/>
+                  <a:pt x="284807" y="388379"/>
+                </a:cubicBezTo>
+                <a:lnTo>
+                  <a:pt x="33339" y="393143"/>
+                </a:lnTo>
+                <a:cubicBezTo>
+                  <a:pt x="31751" y="268445"/>
+                  <a:pt x="1588" y="124698"/>
+                  <a:pt x="0" y="0"/>
+                </a:cubicBezTo>
+                <a:close/>
+              </a:path>
+            </a:pathLst>
+          </a:custGeom>
+          <a:solidFill>
+            <a:srgbClr val="29A329"/>
+          </a:solidFill>
+        </p:spPr>
+        <p:txBody>
+          <a:bodyPr wrap="square" lIns="0" tIns="0" rIns="0" bIns="0" rtlCol="0">
+            <a:spAutoFit/>
+          </a:bodyPr>
+          <a:lstStyle/>
+          <a:p>
+            <a:endParaRPr lang="en-US" sz="2400" dirty="0">
+              <a:solidFill>
+                <a:schemeClr val="bg1"/>
+              </a:solidFill>
+            </a:endParaRPr>
+          </a:p>
+        </p:txBody>
+      </p:sp>
+      <p:sp>
+        <p:nvSpPr>
+          <p:cNvPr id="67" name="TextBox 66"/>
+          <p:cNvSpPr txBox="1"/>
+          <p:nvPr/>
+        </p:nvSpPr>
+        <p:spPr>
+          <a:xfrm>
+            <a:off x="3701710" y="11049318"/>
+            <a:ext cx="325497" cy="452675"/>
+          </a:xfrm>
+          <a:custGeom>
+            <a:avLst/>
+            <a:gdLst>
+              <a:gd name="connsiteX0" fmla="*/ 0 w 2137418"/>
+              <a:gd name="connsiteY0" fmla="*/ 0 h 369332"/>
+              <a:gd name="connsiteX1" fmla="*/ 2137418 w 2137418"/>
+              <a:gd name="connsiteY1" fmla="*/ 0 h 369332"/>
+              <a:gd name="connsiteX2" fmla="*/ 2137418 w 2137418"/>
+              <a:gd name="connsiteY2" fmla="*/ 369332 h 369332"/>
+              <a:gd name="connsiteX3" fmla="*/ 0 w 2137418"/>
+              <a:gd name="connsiteY3" fmla="*/ 369332 h 369332"/>
+              <a:gd name="connsiteX4" fmla="*/ 0 w 2137418"/>
+              <a:gd name="connsiteY4" fmla="*/ 0 h 369332"/>
+              <a:gd name="connsiteX0" fmla="*/ 0 w 2137418"/>
+              <a:gd name="connsiteY0" fmla="*/ 0 h 431244"/>
+              <a:gd name="connsiteX1" fmla="*/ 2137418 w 2137418"/>
+              <a:gd name="connsiteY1" fmla="*/ 0 h 431244"/>
+              <a:gd name="connsiteX2" fmla="*/ 299093 w 2137418"/>
+              <a:gd name="connsiteY2" fmla="*/ 431244 h 431244"/>
+              <a:gd name="connsiteX3" fmla="*/ 0 w 2137418"/>
+              <a:gd name="connsiteY3" fmla="*/ 369332 h 431244"/>
+              <a:gd name="connsiteX4" fmla="*/ 0 w 2137418"/>
+              <a:gd name="connsiteY4" fmla="*/ 0 h 431244"/>
+              <a:gd name="connsiteX0" fmla="*/ 0 w 313380"/>
+              <a:gd name="connsiteY0" fmla="*/ 0 h 431244"/>
+              <a:gd name="connsiteX1" fmla="*/ 313380 w 313380"/>
+              <a:gd name="connsiteY1" fmla="*/ 85725 h 431244"/>
+              <a:gd name="connsiteX2" fmla="*/ 299093 w 313380"/>
+              <a:gd name="connsiteY2" fmla="*/ 431244 h 431244"/>
+              <a:gd name="connsiteX3" fmla="*/ 0 w 313380"/>
+              <a:gd name="connsiteY3" fmla="*/ 369332 h 431244"/>
+              <a:gd name="connsiteX4" fmla="*/ 0 w 313380"/>
+              <a:gd name="connsiteY4" fmla="*/ 0 h 431244"/>
+              <a:gd name="connsiteX0" fmla="*/ 0 w 299093"/>
+              <a:gd name="connsiteY0" fmla="*/ 0 h 431244"/>
+              <a:gd name="connsiteX1" fmla="*/ 294330 w 299093"/>
+              <a:gd name="connsiteY1" fmla="*/ 119062 h 431244"/>
+              <a:gd name="connsiteX2" fmla="*/ 299093 w 299093"/>
+              <a:gd name="connsiteY2" fmla="*/ 431244 h 431244"/>
+              <a:gd name="connsiteX3" fmla="*/ 0 w 299093"/>
+              <a:gd name="connsiteY3" fmla="*/ 369332 h 431244"/>
+              <a:gd name="connsiteX4" fmla="*/ 0 w 299093"/>
+              <a:gd name="connsiteY4" fmla="*/ 0 h 431244"/>
+              <a:gd name="connsiteX0" fmla="*/ 0 w 318223"/>
+              <a:gd name="connsiteY0" fmla="*/ 0 h 431244"/>
+              <a:gd name="connsiteX1" fmla="*/ 318142 w 318223"/>
+              <a:gd name="connsiteY1" fmla="*/ 123825 h 431244"/>
+              <a:gd name="connsiteX2" fmla="*/ 299093 w 318223"/>
+              <a:gd name="connsiteY2" fmla="*/ 431244 h 431244"/>
+              <a:gd name="connsiteX3" fmla="*/ 0 w 318223"/>
+              <a:gd name="connsiteY3" fmla="*/ 369332 h 431244"/>
+              <a:gd name="connsiteX4" fmla="*/ 0 w 318223"/>
+              <a:gd name="connsiteY4" fmla="*/ 0 h 431244"/>
+              <a:gd name="connsiteX0" fmla="*/ 0 w 346718"/>
+              <a:gd name="connsiteY0" fmla="*/ 0 h 431244"/>
+              <a:gd name="connsiteX1" fmla="*/ 318142 w 346718"/>
+              <a:gd name="connsiteY1" fmla="*/ 123825 h 431244"/>
+              <a:gd name="connsiteX2" fmla="*/ 346718 w 346718"/>
+              <a:gd name="connsiteY2" fmla="*/ 431244 h 431244"/>
+              <a:gd name="connsiteX3" fmla="*/ 0 w 346718"/>
+              <a:gd name="connsiteY3" fmla="*/ 369332 h 431244"/>
+              <a:gd name="connsiteX4" fmla="*/ 0 w 346718"/>
+              <a:gd name="connsiteY4" fmla="*/ 0 h 431244"/>
+              <a:gd name="connsiteX0" fmla="*/ 0 w 346718"/>
+              <a:gd name="connsiteY0" fmla="*/ 0 h 431244"/>
+              <a:gd name="connsiteX1" fmla="*/ 318142 w 346718"/>
+              <a:gd name="connsiteY1" fmla="*/ 123825 h 431244"/>
+              <a:gd name="connsiteX2" fmla="*/ 346718 w 346718"/>
+              <a:gd name="connsiteY2" fmla="*/ 431244 h 431244"/>
+              <a:gd name="connsiteX3" fmla="*/ 19050 w 346718"/>
+              <a:gd name="connsiteY3" fmla="*/ 359807 h 431244"/>
+              <a:gd name="connsiteX4" fmla="*/ 0 w 346718"/>
+              <a:gd name="connsiteY4" fmla="*/ 0 h 431244"/>
+              <a:gd name="connsiteX0" fmla="*/ 42862 w 327668"/>
+              <a:gd name="connsiteY0" fmla="*/ 0 h 416956"/>
+              <a:gd name="connsiteX1" fmla="*/ 299092 w 327668"/>
+              <a:gd name="connsiteY1" fmla="*/ 109537 h 416956"/>
+              <a:gd name="connsiteX2" fmla="*/ 327668 w 327668"/>
+              <a:gd name="connsiteY2" fmla="*/ 416956 h 416956"/>
+              <a:gd name="connsiteX3" fmla="*/ 0 w 327668"/>
+              <a:gd name="connsiteY3" fmla="*/ 345519 h 416956"/>
+              <a:gd name="connsiteX4" fmla="*/ 42862 w 327668"/>
+              <a:gd name="connsiteY4" fmla="*/ 0 h 416956"/>
+              <a:gd name="connsiteX0" fmla="*/ 0 w 332431"/>
+              <a:gd name="connsiteY0" fmla="*/ 0 h 445531"/>
+              <a:gd name="connsiteX1" fmla="*/ 303855 w 332431"/>
+              <a:gd name="connsiteY1" fmla="*/ 138112 h 445531"/>
+              <a:gd name="connsiteX2" fmla="*/ 332431 w 332431"/>
+              <a:gd name="connsiteY2" fmla="*/ 445531 h 445531"/>
+              <a:gd name="connsiteX3" fmla="*/ 4763 w 332431"/>
+              <a:gd name="connsiteY3" fmla="*/ 374094 h 445531"/>
+              <a:gd name="connsiteX4" fmla="*/ 0 w 332431"/>
+              <a:gd name="connsiteY4" fmla="*/ 0 h 445531"/>
+              <a:gd name="connsiteX0" fmla="*/ 0 w 320525"/>
+              <a:gd name="connsiteY0" fmla="*/ 0 h 445531"/>
+              <a:gd name="connsiteX1" fmla="*/ 303855 w 320525"/>
+              <a:gd name="connsiteY1" fmla="*/ 138112 h 445531"/>
+              <a:gd name="connsiteX2" fmla="*/ 320525 w 320525"/>
+              <a:gd name="connsiteY2" fmla="*/ 445531 h 445531"/>
+              <a:gd name="connsiteX3" fmla="*/ 4763 w 320525"/>
+              <a:gd name="connsiteY3" fmla="*/ 374094 h 445531"/>
+              <a:gd name="connsiteX4" fmla="*/ 0 w 320525"/>
+              <a:gd name="connsiteY4" fmla="*/ 0 h 445531"/>
+              <a:gd name="connsiteX0" fmla="*/ 0 w 320981"/>
+              <a:gd name="connsiteY0" fmla="*/ 0 h 445531"/>
+              <a:gd name="connsiteX1" fmla="*/ 320523 w 320981"/>
+              <a:gd name="connsiteY1" fmla="*/ 176212 h 445531"/>
+              <a:gd name="connsiteX2" fmla="*/ 320525 w 320981"/>
+              <a:gd name="connsiteY2" fmla="*/ 445531 h 445531"/>
+              <a:gd name="connsiteX3" fmla="*/ 4763 w 320981"/>
+              <a:gd name="connsiteY3" fmla="*/ 374094 h 445531"/>
+              <a:gd name="connsiteX4" fmla="*/ 0 w 320981"/>
+              <a:gd name="connsiteY4" fmla="*/ 0 h 445531"/>
+              <a:gd name="connsiteX0" fmla="*/ 0 w 325497"/>
+              <a:gd name="connsiteY0" fmla="*/ 0 h 445531"/>
+              <a:gd name="connsiteX1" fmla="*/ 325286 w 325497"/>
+              <a:gd name="connsiteY1" fmla="*/ 159543 h 445531"/>
+              <a:gd name="connsiteX2" fmla="*/ 320525 w 325497"/>
+              <a:gd name="connsiteY2" fmla="*/ 445531 h 445531"/>
+              <a:gd name="connsiteX3" fmla="*/ 4763 w 325497"/>
+              <a:gd name="connsiteY3" fmla="*/ 374094 h 445531"/>
+              <a:gd name="connsiteX4" fmla="*/ 0 w 325497"/>
+              <a:gd name="connsiteY4" fmla="*/ 0 h 445531"/>
+              <a:gd name="connsiteX0" fmla="*/ 0 w 325497"/>
+              <a:gd name="connsiteY0" fmla="*/ 0 h 445531"/>
+              <a:gd name="connsiteX1" fmla="*/ 325286 w 325497"/>
+              <a:gd name="connsiteY1" fmla="*/ 157161 h 445531"/>
+              <a:gd name="connsiteX2" fmla="*/ 320525 w 325497"/>
+              <a:gd name="connsiteY2" fmla="*/ 445531 h 445531"/>
+              <a:gd name="connsiteX3" fmla="*/ 4763 w 325497"/>
+              <a:gd name="connsiteY3" fmla="*/ 374094 h 445531"/>
+              <a:gd name="connsiteX4" fmla="*/ 0 w 325497"/>
+              <a:gd name="connsiteY4" fmla="*/ 0 h 445531"/>
+              <a:gd name="connsiteX0" fmla="*/ 0 w 325497"/>
+              <a:gd name="connsiteY0" fmla="*/ 0 h 450293"/>
+              <a:gd name="connsiteX1" fmla="*/ 325286 w 325497"/>
+              <a:gd name="connsiteY1" fmla="*/ 157161 h 450293"/>
+              <a:gd name="connsiteX2" fmla="*/ 320525 w 325497"/>
+              <a:gd name="connsiteY2" fmla="*/ 450293 h 450293"/>
+              <a:gd name="connsiteX3" fmla="*/ 4763 w 325497"/>
+              <a:gd name="connsiteY3" fmla="*/ 374094 h 450293"/>
+              <a:gd name="connsiteX4" fmla="*/ 0 w 325497"/>
+              <a:gd name="connsiteY4" fmla="*/ 0 h 450293"/>
+              <a:gd name="connsiteX0" fmla="*/ 0 w 325497"/>
+              <a:gd name="connsiteY0" fmla="*/ 0 h 452675"/>
+              <a:gd name="connsiteX1" fmla="*/ 325286 w 325497"/>
+              <a:gd name="connsiteY1" fmla="*/ 159543 h 452675"/>
+              <a:gd name="connsiteX2" fmla="*/ 320525 w 325497"/>
+              <a:gd name="connsiteY2" fmla="*/ 452675 h 452675"/>
+              <a:gd name="connsiteX3" fmla="*/ 4763 w 325497"/>
+              <a:gd name="connsiteY3" fmla="*/ 376476 h 452675"/>
+              <a:gd name="connsiteX4" fmla="*/ 0 w 325497"/>
+              <a:gd name="connsiteY4" fmla="*/ 0 h 452675"/>
+            </a:gdLst>
+            <a:ahLst/>
+            <a:cxnLst>
+              <a:cxn ang="0">
+                <a:pos x="connsiteX0" y="connsiteY0"/>
+              </a:cxn>
+              <a:cxn ang="0">
+                <a:pos x="connsiteX1" y="connsiteY1"/>
+              </a:cxn>
+              <a:cxn ang="0">
+                <a:pos x="connsiteX2" y="connsiteY2"/>
+              </a:cxn>
+              <a:cxn ang="0">
+                <a:pos x="connsiteX3" y="connsiteY3"/>
+              </a:cxn>
+              <a:cxn ang="0">
+                <a:pos x="connsiteX4" y="connsiteY4"/>
+              </a:cxn>
+            </a:cxnLst>
+            <a:rect l="l" t="t" r="r" b="b"/>
+            <a:pathLst>
+              <a:path w="325497" h="452675">
+                <a:moveTo>
+                  <a:pt x="0" y="0"/>
+                </a:moveTo>
+                <a:lnTo>
+                  <a:pt x="325286" y="159543"/>
+                </a:lnTo>
+                <a:cubicBezTo>
+                  <a:pt x="326874" y="263604"/>
+                  <a:pt x="318937" y="348614"/>
+                  <a:pt x="320525" y="452675"/>
+                </a:cubicBezTo>
+                <a:lnTo>
+                  <a:pt x="4763" y="376476"/>
+                </a:lnTo>
+                <a:cubicBezTo>
+                  <a:pt x="3175" y="251778"/>
+                  <a:pt x="1588" y="124698"/>
+                  <a:pt x="0" y="0"/>
+                </a:cubicBezTo>
+                <a:close/>
+              </a:path>
+            </a:pathLst>
+          </a:custGeom>
+          <a:solidFill>
+            <a:srgbClr val="0088B8"/>
+          </a:solidFill>
+        </p:spPr>
+        <p:txBody>
+          <a:bodyPr wrap="square" lIns="0" tIns="0" rIns="0" bIns="0" rtlCol="0">
+            <a:spAutoFit/>
+          </a:bodyPr>
+          <a:lstStyle/>
+          <a:p>
+            <a:endParaRPr lang="en-US" sz="2400" dirty="0">
+              <a:solidFill>
+                <a:schemeClr val="bg1"/>
+              </a:solidFill>
+            </a:endParaRPr>
+          </a:p>
+        </p:txBody>
+      </p:sp>
       <p:pic>
         <p:nvPicPr>
           <p:cNvPr id="2" name="Picture 1"/>
@@ -3207,7 +4585,7 @@
         </p:nvSpPr>
         <p:spPr>
           <a:xfrm>
-            <a:off x="17567975" y="6124224"/>
+            <a:off x="17567975" y="6131844"/>
             <a:ext cx="2137418" cy="369332"/>
           </a:xfrm>
           <a:prstGeom prst="rect">
@@ -3390,7 +4768,7 @@
         <p:spPr>
           <a:xfrm>
             <a:off x="1622404" y="11430741"/>
-            <a:ext cx="2899844" cy="369332"/>
+            <a:ext cx="2137417" cy="369332"/>
           </a:xfrm>
           <a:prstGeom prst="rect">
             <a:avLst/>
@@ -3427,7 +4805,15 @@
                   <a:schemeClr val="bg1"/>
                 </a:solidFill>
               </a:rPr>
-              <a:t>RX / ADC2 / PPM</a:t>
+              <a:t>RX / </a:t>
+            </a:r>
+            <a:r>
+              <a:rPr lang="en-US" sz="2400" dirty="0" smtClean="0">
+                <a:solidFill>
+                  <a:schemeClr val="bg1"/>
+                </a:solidFill>
+              </a:rPr>
+              <a:t>ADC2</a:t>
             </a:r>
             <a:endParaRPr lang="en-US" sz="2400" dirty="0">
               <a:solidFill>
@@ -4048,7 +5434,15 @@
                   <a:srgbClr val="0088B8"/>
                 </a:solidFill>
               </a:rPr>
-              <a:t>Right Sideboard</a:t>
+              <a:t>Right </a:t>
+            </a:r>
+            <a:r>
+              <a:rPr lang="en-US" sz="2400" b="1" dirty="0" smtClean="0">
+                <a:solidFill>
+                  <a:srgbClr val="0088B8"/>
+                </a:solidFill>
+              </a:rPr>
+              <a:t>Sideboard*</a:t>
             </a:r>
             <a:endParaRPr lang="en-US" sz="2400" b="1" dirty="0">
               <a:solidFill>
@@ -5334,10 +6728,226 @@
           </a:p>
         </p:txBody>
       </p:sp>
+      <p:sp>
+        <p:nvSpPr>
+          <p:cNvPr id="60" name="TextBox 59"/>
+          <p:cNvSpPr txBox="1"/>
+          <p:nvPr/>
+        </p:nvSpPr>
+        <p:spPr>
+          <a:xfrm>
+            <a:off x="3974000" y="11487291"/>
+            <a:ext cx="2115933" cy="307777"/>
+          </a:xfrm>
+          <a:prstGeom prst="rect">
+            <a:avLst/>
+          </a:prstGeom>
+          <a:solidFill>
+            <a:srgbClr val="29A329"/>
+          </a:solidFill>
+        </p:spPr>
+        <p:txBody>
+          <a:bodyPr wrap="square" lIns="0" tIns="0" rIns="0" bIns="0" rtlCol="0">
+            <a:spAutoFit/>
+          </a:bodyPr>
+          <a:lstStyle/>
+          <a:p>
+            <a:r>
+              <a:rPr lang="en-US" sz="2000" dirty="0" smtClean="0">
+                <a:solidFill>
+                  <a:schemeClr val="bg1"/>
+                </a:solidFill>
+              </a:rPr>
+              <a:t>PWM2 / PPM / </a:t>
+            </a:r>
+            <a:r>
+              <a:rPr lang="en-US" sz="2000" dirty="0" err="1" smtClean="0">
+                <a:solidFill>
+                  <a:schemeClr val="bg1"/>
+                </a:solidFill>
+              </a:rPr>
+              <a:t>iBUS</a:t>
+            </a:r>
+            <a:endParaRPr lang="en-US" sz="2000" dirty="0">
+              <a:solidFill>
+                <a:schemeClr val="bg1"/>
+              </a:solidFill>
+            </a:endParaRPr>
+          </a:p>
+        </p:txBody>
+      </p:sp>
+      <p:sp>
+        <p:nvSpPr>
+          <p:cNvPr id="61" name="TextBox 60"/>
+          <p:cNvSpPr txBox="1"/>
+          <p:nvPr/>
+        </p:nvSpPr>
+        <p:spPr>
+          <a:xfrm>
+            <a:off x="3973999" y="11181511"/>
+            <a:ext cx="2115934" cy="307777"/>
+          </a:xfrm>
+          <a:prstGeom prst="rect">
+            <a:avLst/>
+          </a:prstGeom>
+          <a:solidFill>
+            <a:srgbClr val="0088B8"/>
+          </a:solidFill>
+        </p:spPr>
+        <p:txBody>
+          <a:bodyPr wrap="square" lIns="0" tIns="0" rIns="0" bIns="0" rtlCol="0">
+            <a:spAutoFit/>
+          </a:bodyPr>
+          <a:lstStyle/>
+          <a:p>
+            <a:r>
+              <a:rPr lang="en-US" sz="2000" dirty="0" smtClean="0">
+                <a:solidFill>
+                  <a:schemeClr val="bg1"/>
+                </a:solidFill>
+              </a:rPr>
+              <a:t>PWM1</a:t>
+            </a:r>
+            <a:endParaRPr lang="en-US" sz="2000" dirty="0">
+              <a:solidFill>
+                <a:schemeClr val="bg1"/>
+              </a:solidFill>
+            </a:endParaRPr>
+          </a:p>
+        </p:txBody>
+      </p:sp>
+      <p:sp>
+        <p:nvSpPr>
+          <p:cNvPr id="62" name="TextBox 61"/>
+          <p:cNvSpPr txBox="1"/>
+          <p:nvPr/>
+        </p:nvSpPr>
+        <p:spPr>
+          <a:xfrm>
+            <a:off x="15223309" y="11489288"/>
+            <a:ext cx="2115932" cy="307777"/>
+          </a:xfrm>
+          <a:prstGeom prst="rect">
+            <a:avLst/>
+          </a:prstGeom>
+          <a:solidFill>
+            <a:srgbClr val="29A329"/>
+          </a:solidFill>
+        </p:spPr>
+        <p:txBody>
+          <a:bodyPr wrap="square" lIns="0" tIns="0" rIns="0" bIns="0" rtlCol="0">
+            <a:spAutoFit/>
+          </a:bodyPr>
+          <a:lstStyle/>
+          <a:p>
+            <a:pPr algn="r"/>
+            <a:r>
+              <a:rPr lang="en-US" sz="2000" dirty="0" err="1" smtClean="0">
+                <a:solidFill>
+                  <a:schemeClr val="bg1"/>
+                </a:solidFill>
+              </a:rPr>
+              <a:t>iBUS</a:t>
+            </a:r>
+            <a:r>
+              <a:rPr lang="en-US" sz="2000" dirty="0" smtClean="0">
+                <a:solidFill>
+                  <a:schemeClr val="bg1"/>
+                </a:solidFill>
+              </a:rPr>
+              <a:t> / PPM / PWM2</a:t>
+            </a:r>
+            <a:endParaRPr lang="en-US" sz="2000" dirty="0">
+              <a:solidFill>
+                <a:schemeClr val="bg1"/>
+              </a:solidFill>
+            </a:endParaRPr>
+          </a:p>
+        </p:txBody>
+      </p:sp>
+      <p:sp>
+        <p:nvSpPr>
+          <p:cNvPr id="64" name="TextBox 63"/>
+          <p:cNvSpPr txBox="1"/>
+          <p:nvPr/>
+        </p:nvSpPr>
+        <p:spPr>
+          <a:xfrm>
+            <a:off x="15223308" y="11183508"/>
+            <a:ext cx="2115933" cy="307777"/>
+          </a:xfrm>
+          <a:prstGeom prst="rect">
+            <a:avLst/>
+          </a:prstGeom>
+          <a:solidFill>
+            <a:srgbClr val="0088B8"/>
+          </a:solidFill>
+        </p:spPr>
+        <p:txBody>
+          <a:bodyPr wrap="square" lIns="0" tIns="0" rIns="0" bIns="0" rtlCol="0">
+            <a:spAutoFit/>
+          </a:bodyPr>
+          <a:lstStyle/>
+          <a:p>
+            <a:pPr algn="r"/>
+            <a:r>
+              <a:rPr lang="en-US" sz="2000" dirty="0" smtClean="0">
+                <a:solidFill>
+                  <a:schemeClr val="bg1"/>
+                </a:solidFill>
+              </a:rPr>
+              <a:t>PWM1</a:t>
+            </a:r>
+            <a:endParaRPr lang="en-US" sz="2000" dirty="0">
+              <a:solidFill>
+                <a:schemeClr val="bg1"/>
+              </a:solidFill>
+            </a:endParaRPr>
+          </a:p>
+        </p:txBody>
+      </p:sp>
+      <p:sp>
+        <p:nvSpPr>
+          <p:cNvPr id="72" name="TextBox 71"/>
+          <p:cNvSpPr txBox="1"/>
+          <p:nvPr/>
+        </p:nvSpPr>
+        <p:spPr>
+          <a:xfrm>
+            <a:off x="15175839" y="11829206"/>
+            <a:ext cx="2212979" cy="307777"/>
+          </a:xfrm>
+          <a:prstGeom prst="rect">
+            <a:avLst/>
+          </a:prstGeom>
+          <a:noFill/>
+        </p:spPr>
+        <p:txBody>
+          <a:bodyPr wrap="square" lIns="0" tIns="0" rIns="0" bIns="0" rtlCol="0">
+            <a:spAutoFit/>
+          </a:bodyPr>
+          <a:lstStyle/>
+          <a:p>
+            <a:r>
+              <a:rPr lang="en-US" sz="2000" b="1" dirty="0" smtClean="0">
+                <a:solidFill>
+                  <a:srgbClr val="0088B8"/>
+                </a:solidFill>
+              </a:rPr>
+              <a:t> *5V Tolerant</a:t>
+            </a:r>
+            <a:endParaRPr lang="en-US" sz="2000" b="1" dirty="0">
+              <a:solidFill>
+                <a:srgbClr val="0088B8"/>
+              </a:solidFill>
+            </a:endParaRPr>
+          </a:p>
+        </p:txBody>
+      </p:sp>
     </p:spTree>
     <p:extLst>
       <p:ext uri="{BB962C8B-B14F-4D97-AF65-F5344CB8AC3E}">
-        <p14:creationId xmlns:p14="http://schemas.microsoft.com/office/powerpoint/2010/main" val="3331281797"/>
+        <p14:creationId xmlns:p14="http://schemas.microsoft.com/office/powerpoint/2010/main" val="4077038177"/>
       </p:ext>
     </p:extLst>
   </p:cSld>
